--- a/PPT/(2018.04.08)基于大数据的智慧网络运维平台.pptx
+++ b/PPT/(2018.04.08)基于大数据的智慧网络运维平台.pptx
@@ -5,7 +5,7 @@
     <p:sldMasterId id="2147483660" r:id="rId1"/>
   </p:sldMasterIdLst>
   <p:notesMasterIdLst>
-    <p:notesMasterId r:id="rId27"/>
+    <p:notesMasterId r:id="rId28"/>
   </p:notesMasterIdLst>
   <p:sldIdLst>
     <p:sldId id="283" r:id="rId2"/>
@@ -18,21 +18,22 @@
     <p:sldId id="311" r:id="rId9"/>
     <p:sldId id="286" r:id="rId10"/>
     <p:sldId id="292" r:id="rId11"/>
-    <p:sldId id="291" r:id="rId12"/>
-    <p:sldId id="306" r:id="rId13"/>
-    <p:sldId id="304" r:id="rId14"/>
-    <p:sldId id="293" r:id="rId15"/>
-    <p:sldId id="303" r:id="rId16"/>
-    <p:sldId id="294" r:id="rId17"/>
-    <p:sldId id="296" r:id="rId18"/>
-    <p:sldId id="260" r:id="rId19"/>
-    <p:sldId id="299" r:id="rId20"/>
-    <p:sldId id="287" r:id="rId21"/>
-    <p:sldId id="298" r:id="rId22"/>
-    <p:sldId id="308" r:id="rId23"/>
-    <p:sldId id="301" r:id="rId24"/>
-    <p:sldId id="300" r:id="rId25"/>
-    <p:sldId id="288" r:id="rId26"/>
+    <p:sldId id="312" r:id="rId12"/>
+    <p:sldId id="291" r:id="rId13"/>
+    <p:sldId id="306" r:id="rId14"/>
+    <p:sldId id="304" r:id="rId15"/>
+    <p:sldId id="293" r:id="rId16"/>
+    <p:sldId id="303" r:id="rId17"/>
+    <p:sldId id="294" r:id="rId18"/>
+    <p:sldId id="296" r:id="rId19"/>
+    <p:sldId id="260" r:id="rId20"/>
+    <p:sldId id="299" r:id="rId21"/>
+    <p:sldId id="287" r:id="rId22"/>
+    <p:sldId id="298" r:id="rId23"/>
+    <p:sldId id="308" r:id="rId24"/>
+    <p:sldId id="301" r:id="rId25"/>
+    <p:sldId id="300" r:id="rId26"/>
+    <p:sldId id="288" r:id="rId27"/>
   </p:sldIdLst>
   <p:sldSz cx="12192000" cy="6858000"/>
   <p:notesSz cx="6858000" cy="9144000"/>
@@ -705,7 +706,11 @@
           <a:bodyPr/>
           <a:lstStyle/>
           <a:p>
-            <a:endParaRPr lang="zh-CN" altLang="en-US"/>
+            <a:r>
+              <a:rPr lang="zh-CN" altLang="en-US" dirty="0" smtClean="0"/>
+              <a:t>平台图的重新制作</a:t>
+            </a:r>
+            <a:endParaRPr lang="zh-CN" altLang="en-US" dirty="0"/>
           </a:p>
         </p:txBody>
       </p:sp>
@@ -735,7 +740,7 @@
     </p:spTree>
     <p:extLst>
       <p:ext uri="{BB962C8B-B14F-4D97-AF65-F5344CB8AC3E}">
-        <p14:creationId xmlns:p14="http://schemas.microsoft.com/office/powerpoint/2010/main" val="2646255862"/>
+        <p14:creationId xmlns:p14="http://schemas.microsoft.com/office/powerpoint/2010/main" val="2768124037"/>
       </p:ext>
     </p:extLst>
   </p:cSld>
@@ -819,7 +824,7 @@
     </p:spTree>
     <p:extLst>
       <p:ext uri="{BB962C8B-B14F-4D97-AF65-F5344CB8AC3E}">
-        <p14:creationId xmlns:p14="http://schemas.microsoft.com/office/powerpoint/2010/main" val="561314512"/>
+        <p14:creationId xmlns:p14="http://schemas.microsoft.com/office/powerpoint/2010/main" val="2646255862"/>
       </p:ext>
     </p:extLst>
   </p:cSld>
@@ -873,11 +878,7 @@
           <a:bodyPr/>
           <a:lstStyle/>
           <a:p>
-            <a:r>
-              <a:rPr lang="zh-CN" altLang="en-US" dirty="0" smtClean="0"/>
-              <a:t>拓扑图的动画表示</a:t>
-            </a:r>
-            <a:endParaRPr lang="zh-CN" altLang="en-US" dirty="0"/>
+            <a:endParaRPr lang="zh-CN" altLang="en-US"/>
           </a:p>
         </p:txBody>
       </p:sp>
@@ -907,7 +908,7 @@
     </p:spTree>
     <p:extLst>
       <p:ext uri="{BB962C8B-B14F-4D97-AF65-F5344CB8AC3E}">
-        <p14:creationId xmlns:p14="http://schemas.microsoft.com/office/powerpoint/2010/main" val="2335469423"/>
+        <p14:creationId xmlns:p14="http://schemas.microsoft.com/office/powerpoint/2010/main" val="561314512"/>
       </p:ext>
     </p:extLst>
   </p:cSld>
@@ -995,6 +996,94 @@
     </p:spTree>
     <p:extLst>
       <p:ext uri="{BB962C8B-B14F-4D97-AF65-F5344CB8AC3E}">
+        <p14:creationId xmlns:p14="http://schemas.microsoft.com/office/powerpoint/2010/main" val="2335469423"/>
+      </p:ext>
+    </p:extLst>
+  </p:cSld>
+  <p:clrMapOvr>
+    <a:masterClrMapping/>
+  </p:clrMapOvr>
+</p:notes>
+</file>
+
+<file path=ppt/notesSlides/notesSlide15.xml><?xml version="1.0" encoding="utf-8"?>
+<p:notes xmlns:a="http://schemas.openxmlformats.org/drawingml/2006/main" xmlns:r="http://schemas.openxmlformats.org/officeDocument/2006/relationships" xmlns:p="http://schemas.openxmlformats.org/presentationml/2006/main">
+  <p:cSld>
+    <p:spTree>
+      <p:nvGrpSpPr>
+        <p:cNvPr id="1" name=""/>
+        <p:cNvGrpSpPr/>
+        <p:nvPr/>
+      </p:nvGrpSpPr>
+      <p:grpSpPr>
+        <a:xfrm>
+          <a:off x="0" y="0"/>
+          <a:ext cx="0" cy="0"/>
+          <a:chOff x="0" y="0"/>
+          <a:chExt cx="0" cy="0"/>
+        </a:xfrm>
+      </p:grpSpPr>
+      <p:sp>
+        <p:nvSpPr>
+          <p:cNvPr id="2" name="幻灯片图像占位符 1"/>
+          <p:cNvSpPr>
+            <a:spLocks noGrp="1" noRot="1" noChangeAspect="1"/>
+          </p:cNvSpPr>
+          <p:nvPr>
+            <p:ph type="sldImg"/>
+          </p:nvPr>
+        </p:nvSpPr>
+        <p:spPr/>
+      </p:sp>
+      <p:sp>
+        <p:nvSpPr>
+          <p:cNvPr id="3" name="备注占位符 2"/>
+          <p:cNvSpPr>
+            <a:spLocks noGrp="1"/>
+          </p:cNvSpPr>
+          <p:nvPr>
+            <p:ph type="body" idx="1"/>
+          </p:nvPr>
+        </p:nvSpPr>
+        <p:spPr/>
+        <p:txBody>
+          <a:bodyPr/>
+          <a:lstStyle/>
+          <a:p>
+            <a:r>
+              <a:rPr lang="zh-CN" altLang="en-US" dirty="0" smtClean="0"/>
+              <a:t>拓扑图的动画表示</a:t>
+            </a:r>
+            <a:endParaRPr lang="zh-CN" altLang="en-US" dirty="0"/>
+          </a:p>
+        </p:txBody>
+      </p:sp>
+      <p:sp>
+        <p:nvSpPr>
+          <p:cNvPr id="4" name="灯片编号占位符 3"/>
+          <p:cNvSpPr>
+            <a:spLocks noGrp="1"/>
+          </p:cNvSpPr>
+          <p:nvPr>
+            <p:ph type="sldNum" sz="quarter" idx="10"/>
+          </p:nvPr>
+        </p:nvSpPr>
+        <p:spPr/>
+        <p:txBody>
+          <a:bodyPr/>
+          <a:lstStyle/>
+          <a:p>
+            <a:fld id="{5DCC6294-C7B3-4EF0-8EE5-86B292ED20F6}" type="slidenum">
+              <a:rPr lang="zh-CN" altLang="en-US" smtClean="0"/>
+              <a:t>15</a:t>
+            </a:fld>
+            <a:endParaRPr lang="zh-CN" altLang="en-US"/>
+          </a:p>
+        </p:txBody>
+      </p:sp>
+    </p:spTree>
+    <p:extLst>
+      <p:ext uri="{BB962C8B-B14F-4D97-AF65-F5344CB8AC3E}">
         <p14:creationId xmlns:p14="http://schemas.microsoft.com/office/powerpoint/2010/main" val="3901274205"/>
       </p:ext>
     </p:extLst>
@@ -1005,7 +1094,7 @@
 </p:notes>
 </file>
 
-<file path=ppt/notesSlides/notesSlide15.xml><?xml version="1.0" encoding="utf-8"?>
+<file path=ppt/notesSlides/notesSlide16.xml><?xml version="1.0" encoding="utf-8"?>
 <p:notes xmlns:a="http://schemas.openxmlformats.org/drawingml/2006/main" xmlns:r="http://schemas.openxmlformats.org/officeDocument/2006/relationships" xmlns:p="http://schemas.openxmlformats.org/presentationml/2006/main">
   <p:cSld>
     <p:spTree>
@@ -1074,7 +1163,7 @@
           <a:p>
             <a:fld id="{5DCC6294-C7B3-4EF0-8EE5-86B292ED20F6}" type="slidenum">
               <a:rPr lang="zh-CN" altLang="en-US" smtClean="0"/>
-              <a:t>15</a:t>
+              <a:t>16</a:t>
             </a:fld>
             <a:endParaRPr lang="zh-CN" altLang="en-US"/>
           </a:p>
@@ -1093,7 +1182,7 @@
 </p:notes>
 </file>
 
-<file path=ppt/notesSlides/notesSlide16.xml><?xml version="1.0" encoding="utf-8"?>
+<file path=ppt/notesSlides/notesSlide17.xml><?xml version="1.0" encoding="utf-8"?>
 <p:notes xmlns:a="http://schemas.openxmlformats.org/drawingml/2006/main" xmlns:r="http://schemas.openxmlformats.org/officeDocument/2006/relationships" xmlns:p="http://schemas.openxmlformats.org/presentationml/2006/main">
   <p:cSld>
     <p:spTree>
@@ -1158,7 +1247,7 @@
           <a:p>
             <a:fld id="{5DCC6294-C7B3-4EF0-8EE5-86B292ED20F6}" type="slidenum">
               <a:rPr lang="zh-CN" altLang="en-US" smtClean="0"/>
-              <a:t>16</a:t>
+              <a:t>17</a:t>
             </a:fld>
             <a:endParaRPr lang="zh-CN" altLang="en-US"/>
           </a:p>
@@ -1177,7 +1266,7 @@
 </p:notes>
 </file>
 
-<file path=ppt/notesSlides/notesSlide17.xml><?xml version="1.0" encoding="utf-8"?>
+<file path=ppt/notesSlides/notesSlide18.xml><?xml version="1.0" encoding="utf-8"?>
 <p:notes xmlns:a="http://schemas.openxmlformats.org/drawingml/2006/main" xmlns:r="http://schemas.openxmlformats.org/officeDocument/2006/relationships" xmlns:p="http://schemas.openxmlformats.org/presentationml/2006/main">
   <p:cSld>
     <p:spTree>
@@ -1242,7 +1331,7 @@
           <a:p>
             <a:fld id="{5DCC6294-C7B3-4EF0-8EE5-86B292ED20F6}" type="slidenum">
               <a:rPr lang="zh-CN" altLang="en-US" smtClean="0"/>
-              <a:t>17</a:t>
+              <a:t>18</a:t>
             </a:fld>
             <a:endParaRPr lang="zh-CN" altLang="en-US"/>
           </a:p>
@@ -1252,152 +1341,6 @@
     <p:extLst>
       <p:ext uri="{BB962C8B-B14F-4D97-AF65-F5344CB8AC3E}">
         <p14:creationId xmlns:p14="http://schemas.microsoft.com/office/powerpoint/2010/main" val="253366236"/>
-      </p:ext>
-    </p:extLst>
-  </p:cSld>
-  <p:clrMapOvr>
-    <a:masterClrMapping/>
-  </p:clrMapOvr>
-</p:notes>
-</file>
-
-<file path=ppt/notesSlides/notesSlide18.xml><?xml version="1.0" encoding="utf-8"?>
-<p:notes xmlns:a="http://schemas.openxmlformats.org/drawingml/2006/main" xmlns:r="http://schemas.openxmlformats.org/officeDocument/2006/relationships" xmlns:p="http://schemas.openxmlformats.org/presentationml/2006/main">
-  <p:cSld>
-    <p:spTree>
-      <p:nvGrpSpPr>
-        <p:cNvPr id="1" name=""/>
-        <p:cNvGrpSpPr/>
-        <p:nvPr/>
-      </p:nvGrpSpPr>
-      <p:grpSpPr>
-        <a:xfrm>
-          <a:off x="0" y="0"/>
-          <a:ext cx="0" cy="0"/>
-          <a:chOff x="0" y="0"/>
-          <a:chExt cx="0" cy="0"/>
-        </a:xfrm>
-      </p:grpSpPr>
-      <p:sp>
-        <p:nvSpPr>
-          <p:cNvPr id="2" name="幻灯片图像占位符 1"/>
-          <p:cNvSpPr>
-            <a:spLocks noGrp="1" noRot="1" noChangeAspect="1"/>
-          </p:cNvSpPr>
-          <p:nvPr>
-            <p:ph type="sldImg"/>
-          </p:nvPr>
-        </p:nvSpPr>
-        <p:spPr/>
-      </p:sp>
-      <p:sp>
-        <p:nvSpPr>
-          <p:cNvPr id="3" name="备注占位符 2"/>
-          <p:cNvSpPr>
-            <a:spLocks noGrp="1"/>
-          </p:cNvSpPr>
-          <p:nvPr>
-            <p:ph type="body" idx="1"/>
-          </p:nvPr>
-        </p:nvSpPr>
-        <p:spPr/>
-        <p:txBody>
-          <a:bodyPr/>
-          <a:lstStyle/>
-          <a:p>
-            <a:r>
-              <a:rPr lang="zh-CN" altLang="en-US" dirty="0" smtClean="0">
-                <a:solidFill>
-                  <a:schemeClr val="bg1"/>
-                </a:solidFill>
-              </a:rPr>
-              <a:t>这是一个数据的时代</a:t>
-            </a:r>
-            <a:endParaRPr lang="en-US" altLang="zh-CN" dirty="0" smtClean="0">
-              <a:solidFill>
-                <a:schemeClr val="bg1"/>
-              </a:solidFill>
-            </a:endParaRPr>
-          </a:p>
-          <a:p>
-            <a:endParaRPr lang="en-US" altLang="zh-CN" dirty="0" smtClean="0">
-              <a:solidFill>
-                <a:schemeClr val="bg1"/>
-              </a:solidFill>
-            </a:endParaRPr>
-          </a:p>
-          <a:p>
-            <a:r>
-              <a:rPr lang="zh-CN" altLang="en-US" dirty="0" smtClean="0">
-                <a:solidFill>
-                  <a:schemeClr val="bg1"/>
-                </a:solidFill>
-              </a:rPr>
-              <a:t>运维部门拥有着大量的数据</a:t>
-            </a:r>
-            <a:endParaRPr lang="en-US" altLang="zh-CN" dirty="0" smtClean="0">
-              <a:solidFill>
-                <a:schemeClr val="bg1"/>
-              </a:solidFill>
-            </a:endParaRPr>
-          </a:p>
-          <a:p>
-            <a:r>
-              <a:rPr lang="zh-CN" altLang="en-US" dirty="0" smtClean="0">
-                <a:solidFill>
-                  <a:schemeClr val="bg1"/>
-                </a:solidFill>
-              </a:rPr>
-              <a:t>利用这些数据改变运维方式形成一个智能化的平台是未来的趋势</a:t>
-            </a:r>
-            <a:endParaRPr lang="en-US" altLang="zh-CN" dirty="0" smtClean="0">
-              <a:solidFill>
-                <a:schemeClr val="bg1"/>
-              </a:solidFill>
-            </a:endParaRPr>
-          </a:p>
-          <a:p>
-            <a:r>
-              <a:rPr lang="zh-CN" altLang="en-US" dirty="0" smtClean="0">
-                <a:solidFill>
-                  <a:schemeClr val="bg1"/>
-                </a:solidFill>
-              </a:rPr>
-              <a:t>降本增效</a:t>
-            </a:r>
-          </a:p>
-          <a:p>
-            <a:endParaRPr lang="zh-CN" altLang="en-US" dirty="0"/>
-          </a:p>
-        </p:txBody>
-      </p:sp>
-      <p:sp>
-        <p:nvSpPr>
-          <p:cNvPr id="4" name="灯片编号占位符 3"/>
-          <p:cNvSpPr>
-            <a:spLocks noGrp="1"/>
-          </p:cNvSpPr>
-          <p:nvPr>
-            <p:ph type="sldNum" sz="quarter" idx="10"/>
-          </p:nvPr>
-        </p:nvSpPr>
-        <p:spPr/>
-        <p:txBody>
-          <a:bodyPr/>
-          <a:lstStyle/>
-          <a:p>
-            <a:fld id="{5DCC6294-C7B3-4EF0-8EE5-86B292ED20F6}" type="slidenum">
-              <a:rPr lang="zh-CN" altLang="en-US" smtClean="0"/>
-              <a:t>18</a:t>
-            </a:fld>
-            <a:endParaRPr lang="zh-CN" altLang="en-US"/>
-          </a:p>
-        </p:txBody>
-      </p:sp>
-    </p:spTree>
-    <p:extLst>
-      <p:ext uri="{BB962C8B-B14F-4D97-AF65-F5344CB8AC3E}">
-        <p14:creationId xmlns:p14="http://schemas.microsoft.com/office/powerpoint/2010/main" val="3029548412"/>
       </p:ext>
     </p:extLst>
   </p:cSld>
@@ -1451,7 +1394,69 @@
           <a:bodyPr/>
           <a:lstStyle/>
           <a:p>
-            <a:endParaRPr lang="zh-CN" altLang="en-US"/>
+            <a:r>
+              <a:rPr lang="zh-CN" altLang="en-US" dirty="0" smtClean="0">
+                <a:solidFill>
+                  <a:schemeClr val="bg1"/>
+                </a:solidFill>
+              </a:rPr>
+              <a:t>这是一个数据的时代</a:t>
+            </a:r>
+            <a:endParaRPr lang="en-US" altLang="zh-CN" dirty="0" smtClean="0">
+              <a:solidFill>
+                <a:schemeClr val="bg1"/>
+              </a:solidFill>
+            </a:endParaRPr>
+          </a:p>
+          <a:p>
+            <a:endParaRPr lang="en-US" altLang="zh-CN" dirty="0" smtClean="0">
+              <a:solidFill>
+                <a:schemeClr val="bg1"/>
+              </a:solidFill>
+            </a:endParaRPr>
+          </a:p>
+          <a:p>
+            <a:r>
+              <a:rPr lang="zh-CN" altLang="en-US" dirty="0" smtClean="0">
+                <a:solidFill>
+                  <a:schemeClr val="bg1"/>
+                </a:solidFill>
+              </a:rPr>
+              <a:t>运维部门拥有着大量的数据</a:t>
+            </a:r>
+            <a:endParaRPr lang="en-US" altLang="zh-CN" dirty="0" smtClean="0">
+              <a:solidFill>
+                <a:schemeClr val="bg1"/>
+              </a:solidFill>
+            </a:endParaRPr>
+          </a:p>
+          <a:p>
+            <a:r>
+              <a:rPr lang="zh-CN" altLang="en-US" dirty="0" smtClean="0">
+                <a:solidFill>
+                  <a:schemeClr val="bg1"/>
+                </a:solidFill>
+              </a:rPr>
+              <a:t>利用这些数据改变运维方式形成一个智能化的平台是未来的趋势</a:t>
+            </a:r>
+            <a:endParaRPr lang="en-US" altLang="zh-CN" dirty="0" smtClean="0">
+              <a:solidFill>
+                <a:schemeClr val="bg1"/>
+              </a:solidFill>
+            </a:endParaRPr>
+          </a:p>
+          <a:p>
+            <a:r>
+              <a:rPr lang="zh-CN" altLang="en-US" dirty="0" smtClean="0">
+                <a:solidFill>
+                  <a:schemeClr val="bg1"/>
+                </a:solidFill>
+              </a:rPr>
+              <a:t>降本增效</a:t>
+            </a:r>
+          </a:p>
+          <a:p>
+            <a:endParaRPr lang="zh-CN" altLang="en-US" dirty="0"/>
           </a:p>
         </p:txBody>
       </p:sp>
@@ -1481,7 +1486,7 @@
     </p:spTree>
     <p:extLst>
       <p:ext uri="{BB962C8B-B14F-4D97-AF65-F5344CB8AC3E}">
-        <p14:creationId xmlns:p14="http://schemas.microsoft.com/office/powerpoint/2010/main" val="2308514395"/>
+        <p14:creationId xmlns:p14="http://schemas.microsoft.com/office/powerpoint/2010/main" val="3029548412"/>
       </p:ext>
     </p:extLst>
   </p:cSld>
@@ -1649,7 +1654,7 @@
     </p:spTree>
     <p:extLst>
       <p:ext uri="{BB962C8B-B14F-4D97-AF65-F5344CB8AC3E}">
-        <p14:creationId xmlns:p14="http://schemas.microsoft.com/office/powerpoint/2010/main" val="2756488171"/>
+        <p14:creationId xmlns:p14="http://schemas.microsoft.com/office/powerpoint/2010/main" val="2308514395"/>
       </p:ext>
     </p:extLst>
   </p:cSld>
@@ -1733,7 +1738,7 @@
     </p:spTree>
     <p:extLst>
       <p:ext uri="{BB962C8B-B14F-4D97-AF65-F5344CB8AC3E}">
-        <p14:creationId xmlns:p14="http://schemas.microsoft.com/office/powerpoint/2010/main" val="1590390921"/>
+        <p14:creationId xmlns:p14="http://schemas.microsoft.com/office/powerpoint/2010/main" val="2756488171"/>
       </p:ext>
     </p:extLst>
   </p:cSld>
@@ -1817,7 +1822,7 @@
     </p:spTree>
     <p:extLst>
       <p:ext uri="{BB962C8B-B14F-4D97-AF65-F5344CB8AC3E}">
-        <p14:creationId xmlns:p14="http://schemas.microsoft.com/office/powerpoint/2010/main" val="1761646117"/>
+        <p14:creationId xmlns:p14="http://schemas.microsoft.com/office/powerpoint/2010/main" val="1590390921"/>
       </p:ext>
     </p:extLst>
   </p:cSld>
@@ -1901,7 +1906,7 @@
     </p:spTree>
     <p:extLst>
       <p:ext uri="{BB962C8B-B14F-4D97-AF65-F5344CB8AC3E}">
-        <p14:creationId xmlns:p14="http://schemas.microsoft.com/office/powerpoint/2010/main" val="38601803"/>
+        <p14:creationId xmlns:p14="http://schemas.microsoft.com/office/powerpoint/2010/main" val="1761646117"/>
       </p:ext>
     </p:extLst>
   </p:cSld>
@@ -1985,7 +1990,7 @@
     </p:spTree>
     <p:extLst>
       <p:ext uri="{BB962C8B-B14F-4D97-AF65-F5344CB8AC3E}">
-        <p14:creationId xmlns:p14="http://schemas.microsoft.com/office/powerpoint/2010/main" val="1478977869"/>
+        <p14:creationId xmlns:p14="http://schemas.microsoft.com/office/powerpoint/2010/main" val="38601803"/>
       </p:ext>
     </p:extLst>
   </p:cSld>
@@ -2061,6 +2066,90 @@
             <a:fld id="{5DCC6294-C7B3-4EF0-8EE5-86B292ED20F6}" type="slidenum">
               <a:rPr lang="zh-CN" altLang="en-US" smtClean="0"/>
               <a:t>25</a:t>
+            </a:fld>
+            <a:endParaRPr lang="zh-CN" altLang="en-US"/>
+          </a:p>
+        </p:txBody>
+      </p:sp>
+    </p:spTree>
+    <p:extLst>
+      <p:ext uri="{BB962C8B-B14F-4D97-AF65-F5344CB8AC3E}">
+        <p14:creationId xmlns:p14="http://schemas.microsoft.com/office/powerpoint/2010/main" val="1478977869"/>
+      </p:ext>
+    </p:extLst>
+  </p:cSld>
+  <p:clrMapOvr>
+    <a:masterClrMapping/>
+  </p:clrMapOvr>
+</p:notes>
+</file>
+
+<file path=ppt/notesSlides/notesSlide26.xml><?xml version="1.0" encoding="utf-8"?>
+<p:notes xmlns:a="http://schemas.openxmlformats.org/drawingml/2006/main" xmlns:r="http://schemas.openxmlformats.org/officeDocument/2006/relationships" xmlns:p="http://schemas.openxmlformats.org/presentationml/2006/main">
+  <p:cSld>
+    <p:spTree>
+      <p:nvGrpSpPr>
+        <p:cNvPr id="1" name=""/>
+        <p:cNvGrpSpPr/>
+        <p:nvPr/>
+      </p:nvGrpSpPr>
+      <p:grpSpPr>
+        <a:xfrm>
+          <a:off x="0" y="0"/>
+          <a:ext cx="0" cy="0"/>
+          <a:chOff x="0" y="0"/>
+          <a:chExt cx="0" cy="0"/>
+        </a:xfrm>
+      </p:grpSpPr>
+      <p:sp>
+        <p:nvSpPr>
+          <p:cNvPr id="2" name="幻灯片图像占位符 1"/>
+          <p:cNvSpPr>
+            <a:spLocks noGrp="1" noRot="1" noChangeAspect="1"/>
+          </p:cNvSpPr>
+          <p:nvPr>
+            <p:ph type="sldImg"/>
+          </p:nvPr>
+        </p:nvSpPr>
+        <p:spPr/>
+      </p:sp>
+      <p:sp>
+        <p:nvSpPr>
+          <p:cNvPr id="3" name="备注占位符 2"/>
+          <p:cNvSpPr>
+            <a:spLocks noGrp="1"/>
+          </p:cNvSpPr>
+          <p:nvPr>
+            <p:ph type="body" idx="1"/>
+          </p:nvPr>
+        </p:nvSpPr>
+        <p:spPr/>
+        <p:txBody>
+          <a:bodyPr/>
+          <a:lstStyle/>
+          <a:p>
+            <a:endParaRPr lang="zh-CN" altLang="en-US"/>
+          </a:p>
+        </p:txBody>
+      </p:sp>
+      <p:sp>
+        <p:nvSpPr>
+          <p:cNvPr id="4" name="灯片编号占位符 3"/>
+          <p:cNvSpPr>
+            <a:spLocks noGrp="1"/>
+          </p:cNvSpPr>
+          <p:nvPr>
+            <p:ph type="sldNum" sz="quarter" idx="10"/>
+          </p:nvPr>
+        </p:nvSpPr>
+        <p:spPr/>
+        <p:txBody>
+          <a:bodyPr/>
+          <a:lstStyle/>
+          <a:p>
+            <a:fld id="{5DCC6294-C7B3-4EF0-8EE5-86B292ED20F6}" type="slidenum">
+              <a:rPr lang="zh-CN" altLang="en-US" smtClean="0"/>
+              <a:t>26</a:t>
             </a:fld>
             <a:endParaRPr lang="zh-CN" altLang="en-US"/>
           </a:p>
@@ -6532,6 +6621,467 @@
       </p:sp>
       <p:sp>
         <p:nvSpPr>
+          <p:cNvPr id="2" name="文本框 1"/>
+          <p:cNvSpPr txBox="1"/>
+          <p:nvPr/>
+        </p:nvSpPr>
+        <p:spPr>
+          <a:xfrm>
+            <a:off x="896293" y="1883121"/>
+            <a:ext cx="4275782" cy="3416320"/>
+          </a:xfrm>
+          <a:prstGeom prst="rect">
+            <a:avLst/>
+          </a:prstGeom>
+          <a:noFill/>
+        </p:spPr>
+        <p:txBody>
+          <a:bodyPr wrap="square" rtlCol="0">
+            <a:spAutoFit/>
+          </a:bodyPr>
+          <a:lstStyle/>
+          <a:p>
+            <a:r>
+              <a:rPr lang="zh-CN" altLang="en-US" dirty="0">
+                <a:solidFill>
+                  <a:schemeClr val="bg1"/>
+                </a:solidFill>
+              </a:rPr>
+              <a:t>平台</a:t>
+            </a:r>
+            <a:r>
+              <a:rPr lang="zh-CN" altLang="en-US" dirty="0" smtClean="0">
+                <a:solidFill>
+                  <a:schemeClr val="bg1"/>
+                </a:solidFill>
+              </a:rPr>
+              <a:t>功能介绍：全景图、网络拓扑、自动化运维、智能运维 用一张大图的形式来说明 尽可能美观全面</a:t>
+            </a:r>
+            <a:endParaRPr lang="en-US" altLang="zh-CN" dirty="0" smtClean="0">
+              <a:solidFill>
+                <a:schemeClr val="bg1"/>
+              </a:solidFill>
+            </a:endParaRPr>
+          </a:p>
+          <a:p>
+            <a:r>
+              <a:rPr lang="zh-CN" altLang="en-US" dirty="0" smtClean="0">
+                <a:solidFill>
+                  <a:schemeClr val="bg1"/>
+                </a:solidFill>
+              </a:rPr>
+              <a:t>包括本部分后面所介绍的各个功能模块</a:t>
+            </a:r>
+            <a:endParaRPr lang="en-US" altLang="zh-CN" dirty="0" smtClean="0">
+              <a:solidFill>
+                <a:schemeClr val="bg1"/>
+              </a:solidFill>
+            </a:endParaRPr>
+          </a:p>
+          <a:p>
+            <a:endParaRPr lang="en-US" altLang="zh-CN" dirty="0">
+              <a:solidFill>
+                <a:schemeClr val="bg1"/>
+              </a:solidFill>
+            </a:endParaRPr>
+          </a:p>
+          <a:p>
+            <a:endParaRPr lang="en-US" altLang="zh-CN" dirty="0" smtClean="0">
+              <a:solidFill>
+                <a:schemeClr val="bg1"/>
+              </a:solidFill>
+            </a:endParaRPr>
+          </a:p>
+          <a:p>
+            <a:r>
+              <a:rPr lang="zh-CN" altLang="en-US" dirty="0" smtClean="0">
+                <a:solidFill>
+                  <a:schemeClr val="bg1"/>
+                </a:solidFill>
+              </a:rPr>
+              <a:t>网络大脑定位：</a:t>
+            </a:r>
+            <a:endParaRPr lang="en-US" altLang="zh-CN" dirty="0" smtClean="0">
+              <a:solidFill>
+                <a:schemeClr val="bg1"/>
+              </a:solidFill>
+            </a:endParaRPr>
+          </a:p>
+          <a:p>
+            <a:pPr marL="342900" indent="-342900">
+              <a:buAutoNum type="arabicPeriod"/>
+            </a:pPr>
+            <a:r>
+              <a:rPr lang="zh-CN" altLang="en-US" dirty="0" smtClean="0">
+                <a:solidFill>
+                  <a:schemeClr val="bg1"/>
+                </a:solidFill>
+              </a:rPr>
+              <a:t>网络服务模式突破</a:t>
+            </a:r>
+            <a:endParaRPr lang="en-US" altLang="zh-CN" dirty="0" smtClean="0">
+              <a:solidFill>
+                <a:schemeClr val="bg1"/>
+              </a:solidFill>
+            </a:endParaRPr>
+          </a:p>
+          <a:p>
+            <a:pPr marL="342900" indent="-342900">
+              <a:buAutoNum type="arabicPeriod"/>
+            </a:pPr>
+            <a:r>
+              <a:rPr lang="zh-CN" altLang="en-US" dirty="0" smtClean="0">
+                <a:solidFill>
+                  <a:schemeClr val="bg1"/>
+                </a:solidFill>
+              </a:rPr>
+              <a:t>网络运维方法革新</a:t>
+            </a:r>
+            <a:endParaRPr lang="en-US" altLang="zh-CN" dirty="0" smtClean="0">
+              <a:solidFill>
+                <a:schemeClr val="bg1"/>
+              </a:solidFill>
+            </a:endParaRPr>
+          </a:p>
+          <a:p>
+            <a:pPr marL="342900" indent="-342900">
+              <a:buAutoNum type="arabicPeriod"/>
+            </a:pPr>
+            <a:r>
+              <a:rPr lang="zh-CN" altLang="en-US" dirty="0" smtClean="0">
+                <a:solidFill>
+                  <a:schemeClr val="bg1"/>
+                </a:solidFill>
+              </a:rPr>
+              <a:t>数据价值体现升级</a:t>
+            </a:r>
+            <a:endParaRPr lang="en-US" altLang="zh-CN" dirty="0" smtClean="0">
+              <a:solidFill>
+                <a:schemeClr val="bg1"/>
+              </a:solidFill>
+            </a:endParaRPr>
+          </a:p>
+          <a:p>
+            <a:pPr marL="342900" indent="-342900">
+              <a:buAutoNum type="arabicPeriod"/>
+            </a:pPr>
+            <a:endParaRPr lang="en-US" altLang="zh-CN" dirty="0">
+              <a:solidFill>
+                <a:schemeClr val="bg1"/>
+              </a:solidFill>
+            </a:endParaRPr>
+          </a:p>
+          <a:p>
+            <a:r>
+              <a:rPr lang="zh-CN" altLang="en-US" dirty="0" smtClean="0">
+                <a:solidFill>
+                  <a:schemeClr val="bg1"/>
+                </a:solidFill>
+              </a:rPr>
+              <a:t>功能：知全局 深洞察 拓未来 </a:t>
+            </a:r>
+            <a:endParaRPr lang="en-US" altLang="zh-CN" dirty="0" smtClean="0">
+              <a:solidFill>
+                <a:schemeClr val="bg1"/>
+              </a:solidFill>
+            </a:endParaRPr>
+          </a:p>
+        </p:txBody>
+      </p:sp>
+      <p:sp>
+        <p:nvSpPr>
+          <p:cNvPr id="6" name="文本框 5"/>
+          <p:cNvSpPr txBox="1"/>
+          <p:nvPr/>
+        </p:nvSpPr>
+        <p:spPr>
+          <a:xfrm>
+            <a:off x="4629149" y="377279"/>
+            <a:ext cx="2744107" cy="523220"/>
+          </a:xfrm>
+          <a:prstGeom prst="rect">
+            <a:avLst/>
+          </a:prstGeom>
+          <a:noFill/>
+        </p:spPr>
+        <p:txBody>
+          <a:bodyPr wrap="square" rtlCol="0">
+            <a:spAutoFit/>
+          </a:bodyPr>
+          <a:lstStyle/>
+          <a:p>
+            <a:pPr algn="ctr"/>
+            <a:r>
+              <a:rPr lang="zh-CN" altLang="en-US" sz="2800" b="1" dirty="0" smtClean="0">
+                <a:solidFill>
+                  <a:schemeClr val="bg1"/>
+                </a:solidFill>
+                <a:effectLst>
+                  <a:glow rad="228600">
+                    <a:schemeClr val="accent1">
+                      <a:satMod val="175000"/>
+                      <a:alpha val="40000"/>
+                    </a:schemeClr>
+                  </a:glow>
+                </a:effectLst>
+                <a:latin typeface="微软雅黑" panose="020B0503020204020204" pitchFamily="34" charset="-122"/>
+                <a:ea typeface="微软雅黑" panose="020B0503020204020204" pitchFamily="34" charset="-122"/>
+              </a:rPr>
+              <a:t>大脑框图</a:t>
+            </a:r>
+            <a:endParaRPr lang="zh-CN" altLang="en-US" sz="2800" b="1" dirty="0">
+              <a:solidFill>
+                <a:schemeClr val="bg1"/>
+              </a:solidFill>
+              <a:effectLst>
+                <a:glow rad="228600">
+                  <a:schemeClr val="accent1">
+                    <a:satMod val="175000"/>
+                    <a:alpha val="40000"/>
+                  </a:schemeClr>
+                </a:glow>
+              </a:effectLst>
+              <a:latin typeface="微软雅黑" panose="020B0503020204020204" pitchFamily="34" charset="-122"/>
+              <a:ea typeface="微软雅黑" panose="020B0503020204020204" pitchFamily="34" charset="-122"/>
+            </a:endParaRPr>
+          </a:p>
+        </p:txBody>
+      </p:sp>
+      <p:sp>
+        <p:nvSpPr>
+          <p:cNvPr id="8" name="文本框 7"/>
+          <p:cNvSpPr txBox="1"/>
+          <p:nvPr/>
+        </p:nvSpPr>
+        <p:spPr>
+          <a:xfrm>
+            <a:off x="8972550" y="1037629"/>
+            <a:ext cx="2114550" cy="523220"/>
+          </a:xfrm>
+          <a:prstGeom prst="rect">
+            <a:avLst/>
+          </a:prstGeom>
+          <a:noFill/>
+        </p:spPr>
+        <p:txBody>
+          <a:bodyPr wrap="square" rtlCol="0">
+            <a:spAutoFit/>
+          </a:bodyPr>
+          <a:lstStyle/>
+          <a:p>
+            <a:r>
+              <a:rPr lang="zh-CN" altLang="en-US" sz="2800" b="1" dirty="0" smtClean="0">
+                <a:solidFill>
+                  <a:srgbClr val="FF0000"/>
+                </a:solidFill>
+              </a:rPr>
+              <a:t>正在制作中</a:t>
+            </a:r>
+            <a:endParaRPr lang="zh-CN" altLang="en-US" sz="2800" b="1" dirty="0">
+              <a:solidFill>
+                <a:srgbClr val="FF0000"/>
+              </a:solidFill>
+            </a:endParaRPr>
+          </a:p>
+        </p:txBody>
+      </p:sp>
+    </p:spTree>
+    <p:extLst>
+      <p:ext uri="{BB962C8B-B14F-4D97-AF65-F5344CB8AC3E}">
+        <p14:creationId xmlns:p14="http://schemas.microsoft.com/office/powerpoint/2010/main" val="3315012527"/>
+      </p:ext>
+    </p:extLst>
+  </p:cSld>
+  <p:clrMapOvr>
+    <a:masterClrMapping/>
+  </p:clrMapOvr>
+  <mc:AlternateContent xmlns:mc="http://schemas.openxmlformats.org/markup-compatibility/2006" xmlns:p14="http://schemas.microsoft.com/office/powerpoint/2010/main">
+    <mc:Choice Requires="p14">
+      <p:transition spd="slow" p14:dur="800">
+        <p14:flythrough/>
+      </p:transition>
+    </mc:Choice>
+    <mc:Fallback xmlns="">
+      <p:transition spd="slow">
+        <p:fade/>
+      </p:transition>
+    </mc:Fallback>
+  </mc:AlternateContent>
+  <p:timing>
+    <p:tnLst>
+      <p:par>
+        <p:cTn id="1" dur="indefinite" restart="never" nodeType="tmRoot"/>
+      </p:par>
+    </p:tnLst>
+  </p:timing>
+</p:sld>
+</file>
+
+<file path=ppt/slides/slide12.xml><?xml version="1.0" encoding="utf-8"?>
+<p:sld xmlns:a="http://schemas.openxmlformats.org/drawingml/2006/main" xmlns:r="http://schemas.openxmlformats.org/officeDocument/2006/relationships" xmlns:p="http://schemas.openxmlformats.org/presentationml/2006/main">
+  <p:cSld>
+    <p:spTree>
+      <p:nvGrpSpPr>
+        <p:cNvPr id="1" name=""/>
+        <p:cNvGrpSpPr/>
+        <p:nvPr/>
+      </p:nvGrpSpPr>
+      <p:grpSpPr>
+        <a:xfrm>
+          <a:off x="0" y="0"/>
+          <a:ext cx="0" cy="0"/>
+          <a:chOff x="0" y="0"/>
+          <a:chExt cx="0" cy="0"/>
+        </a:xfrm>
+      </p:grpSpPr>
+      <p:cxnSp>
+        <p:nvCxnSpPr>
+          <p:cNvPr id="3" name="直接连接符 2"/>
+          <p:cNvCxnSpPr/>
+          <p:nvPr/>
+        </p:nvCxnSpPr>
+        <p:spPr>
+          <a:xfrm>
+            <a:off x="-1257300" y="762000"/>
+            <a:ext cx="5086350" cy="0"/>
+          </a:xfrm>
+          <a:prstGeom prst="line">
+            <a:avLst/>
+          </a:prstGeom>
+          <a:ln>
+            <a:solidFill>
+              <a:schemeClr val="bg1"/>
+            </a:solidFill>
+            <a:tailEnd type="oval" w="lg" len="lg"/>
+          </a:ln>
+          <a:effectLst>
+            <a:glow rad="139700">
+              <a:schemeClr val="accent3">
+                <a:satMod val="175000"/>
+                <a:alpha val="40000"/>
+              </a:schemeClr>
+            </a:glow>
+          </a:effectLst>
+        </p:spPr>
+        <p:style>
+          <a:lnRef idx="1">
+            <a:schemeClr val="accent1"/>
+          </a:lnRef>
+          <a:fillRef idx="0">
+            <a:schemeClr val="accent1"/>
+          </a:fillRef>
+          <a:effectRef idx="0">
+            <a:schemeClr val="accent1"/>
+          </a:effectRef>
+          <a:fontRef idx="minor">
+            <a:schemeClr val="tx1"/>
+          </a:fontRef>
+        </p:style>
+      </p:cxnSp>
+      <p:cxnSp>
+        <p:nvCxnSpPr>
+          <p:cNvPr id="4" name="直接连接符 3"/>
+          <p:cNvCxnSpPr/>
+          <p:nvPr/>
+        </p:nvCxnSpPr>
+        <p:spPr>
+          <a:xfrm flipH="1">
+            <a:off x="8343900" y="762000"/>
+            <a:ext cx="5086350" cy="0"/>
+          </a:xfrm>
+          <a:prstGeom prst="line">
+            <a:avLst/>
+          </a:prstGeom>
+          <a:ln>
+            <a:solidFill>
+              <a:schemeClr val="bg1"/>
+            </a:solidFill>
+            <a:tailEnd type="oval" w="lg" len="lg"/>
+          </a:ln>
+          <a:effectLst>
+            <a:glow rad="139700">
+              <a:schemeClr val="accent3">
+                <a:satMod val="175000"/>
+                <a:alpha val="40000"/>
+              </a:schemeClr>
+            </a:glow>
+          </a:effectLst>
+        </p:spPr>
+        <p:style>
+          <a:lnRef idx="1">
+            <a:schemeClr val="accent1"/>
+          </a:lnRef>
+          <a:fillRef idx="0">
+            <a:schemeClr val="accent1"/>
+          </a:fillRef>
+          <a:effectRef idx="0">
+            <a:schemeClr val="accent1"/>
+          </a:effectRef>
+          <a:fontRef idx="minor">
+            <a:schemeClr val="tx1"/>
+          </a:fontRef>
+        </p:style>
+      </p:cxnSp>
+      <p:sp>
+        <p:nvSpPr>
+          <p:cNvPr id="7" name="文本框 6"/>
+          <p:cNvSpPr txBox="1"/>
+          <p:nvPr/>
+        </p:nvSpPr>
+        <p:spPr>
+          <a:xfrm>
+            <a:off x="0" y="1327"/>
+            <a:ext cx="2625505" cy="769441"/>
+          </a:xfrm>
+          <a:prstGeom prst="rect">
+            <a:avLst/>
+          </a:prstGeom>
+          <a:noFill/>
+        </p:spPr>
+        <p:txBody>
+          <a:bodyPr wrap="square" rtlCol="0">
+            <a:spAutoFit/>
+          </a:bodyPr>
+          <a:lstStyle/>
+          <a:p>
+            <a:r>
+              <a:rPr lang="zh-CN" altLang="en-US" sz="4400" b="1" dirty="0" smtClean="0">
+                <a:solidFill>
+                  <a:schemeClr val="bg1"/>
+                </a:solidFill>
+                <a:effectLst>
+                  <a:glow rad="228600">
+                    <a:schemeClr val="accent3">
+                      <a:satMod val="175000"/>
+                      <a:alpha val="40000"/>
+                    </a:schemeClr>
+                  </a:glow>
+                </a:effectLst>
+                <a:latin typeface="微软雅黑" panose="020B0503020204020204" pitchFamily="34" charset="-122"/>
+                <a:ea typeface="微软雅黑" panose="020B0503020204020204" pitchFamily="34" charset="-122"/>
+              </a:rPr>
+              <a:t>平台建设</a:t>
+            </a:r>
+            <a:endParaRPr lang="zh-CN" altLang="en-US" sz="4400" b="1" dirty="0">
+              <a:solidFill>
+                <a:schemeClr val="bg1"/>
+              </a:solidFill>
+              <a:effectLst>
+                <a:glow rad="228600">
+                  <a:schemeClr val="accent3">
+                    <a:satMod val="175000"/>
+                    <a:alpha val="40000"/>
+                  </a:schemeClr>
+                </a:glow>
+              </a:effectLst>
+              <a:latin typeface="微软雅黑" panose="020B0503020204020204" pitchFamily="34" charset="-122"/>
+              <a:ea typeface="微软雅黑" panose="020B0503020204020204" pitchFamily="34" charset="-122"/>
+            </a:endParaRPr>
+          </a:p>
+        </p:txBody>
+      </p:sp>
+      <p:sp>
+        <p:nvSpPr>
           <p:cNvPr id="8" name="矩形 7"/>
           <p:cNvSpPr/>
           <p:nvPr/>
@@ -7348,7 +7898,7 @@
 </p:sld>
 </file>
 
-<file path=ppt/slides/slide12.xml><?xml version="1.0" encoding="utf-8"?>
+<file path=ppt/slides/slide13.xml><?xml version="1.0" encoding="utf-8"?>
 <p:sld xmlns:a="http://schemas.openxmlformats.org/drawingml/2006/main" xmlns:r="http://schemas.openxmlformats.org/officeDocument/2006/relationships" xmlns:p="http://schemas.openxmlformats.org/presentationml/2006/main">
   <p:cSld>
     <p:spTree>
@@ -9679,7 +10229,7 @@
 </p:sld>
 </file>
 
-<file path=ppt/slides/slide13.xml><?xml version="1.0" encoding="utf-8"?>
+<file path=ppt/slides/slide14.xml><?xml version="1.0" encoding="utf-8"?>
 <p:sld xmlns:a="http://schemas.openxmlformats.org/drawingml/2006/main" xmlns:r="http://schemas.openxmlformats.org/officeDocument/2006/relationships" xmlns:p="http://schemas.openxmlformats.org/presentationml/2006/main">
   <p:cSld>
     <p:spTree>
@@ -23703,7 +24253,7 @@
 </p:sld>
 </file>
 
-<file path=ppt/slides/slide14.xml><?xml version="1.0" encoding="utf-8"?>
+<file path=ppt/slides/slide15.xml><?xml version="1.0" encoding="utf-8"?>
 <p:sld xmlns:a="http://schemas.openxmlformats.org/drawingml/2006/main" xmlns:r="http://schemas.openxmlformats.org/officeDocument/2006/relationships" xmlns:p="http://schemas.openxmlformats.org/presentationml/2006/main">
   <p:cSld>
     <p:spTree>
@@ -24341,7 +24891,7 @@
 </p:sld>
 </file>
 
-<file path=ppt/slides/slide15.xml><?xml version="1.0" encoding="utf-8"?>
+<file path=ppt/slides/slide16.xml><?xml version="1.0" encoding="utf-8"?>
 <p:sld xmlns:a="http://schemas.openxmlformats.org/drawingml/2006/main" xmlns:r="http://schemas.openxmlformats.org/officeDocument/2006/relationships" xmlns:p="http://schemas.openxmlformats.org/presentationml/2006/main">
   <p:cSld>
     <p:spTree>
@@ -24358,6 +24908,30 @@
           <a:chExt cx="0" cy="0"/>
         </a:xfrm>
       </p:grpSpPr>
+      <p:pic>
+        <p:nvPicPr>
+          <p:cNvPr id="8" name="图片 7"/>
+          <p:cNvPicPr>
+            <a:picLocks noChangeAspect="1"/>
+          </p:cNvPicPr>
+          <p:nvPr/>
+        </p:nvPicPr>
+        <p:blipFill>
+          <a:blip r:embed="rId3"/>
+          <a:stretch>
+            <a:fillRect/>
+          </a:stretch>
+        </p:blipFill>
+        <p:spPr>
+          <a:xfrm>
+            <a:off x="1729923" y="2104675"/>
+            <a:ext cx="8731300" cy="4746390"/>
+          </a:xfrm>
+          <a:prstGeom prst="rect">
+            <a:avLst/>
+          </a:prstGeom>
+        </p:spPr>
+      </p:pic>
       <p:cxnSp>
         <p:nvCxnSpPr>
           <p:cNvPr id="3" name="直接连接符 2"/>
@@ -24625,30 +25199,6 @@
           </a:p>
         </p:txBody>
       </p:sp>
-      <p:pic>
-        <p:nvPicPr>
-          <p:cNvPr id="6" name="图片 5"/>
-          <p:cNvPicPr>
-            <a:picLocks noChangeAspect="1"/>
-          </p:cNvPicPr>
-          <p:nvPr/>
-        </p:nvPicPr>
-        <p:blipFill>
-          <a:blip r:embed="rId3"/>
-          <a:stretch>
-            <a:fillRect/>
-          </a:stretch>
-        </p:blipFill>
-        <p:spPr>
-          <a:xfrm>
-            <a:off x="1732545" y="2138923"/>
-            <a:ext cx="8536187" cy="4700648"/>
-          </a:xfrm>
-          <a:prstGeom prst="rect">
-            <a:avLst/>
-          </a:prstGeom>
-        </p:spPr>
-      </p:pic>
       <p:sp>
         <p:nvSpPr>
           <p:cNvPr id="17" name="矩形 16"/>
@@ -24657,7 +25207,7 @@
         </p:nvSpPr>
         <p:spPr>
           <a:xfrm>
-            <a:off x="950902" y="2138923"/>
+            <a:off x="882322" y="2104675"/>
             <a:ext cx="10803313" cy="4700648"/>
           </a:xfrm>
           <a:prstGeom prst="rect">
@@ -24930,7 +25480,7 @@
         </p:blipFill>
         <p:spPr>
           <a:xfrm>
-            <a:off x="4143920" y="2197573"/>
+            <a:off x="4143920" y="2219798"/>
             <a:ext cx="4811701" cy="3744200"/>
           </a:xfrm>
           <a:prstGeom prst="rect">
@@ -24981,7 +25531,7 @@
         </p:nvSpPr>
         <p:spPr>
           <a:xfrm flipH="1">
-            <a:off x="1379249" y="3969821"/>
+            <a:off x="1379249" y="3992046"/>
             <a:ext cx="1824980" cy="1307334"/>
           </a:xfrm>
           <a:prstGeom prst="wedgeRoundRectCallout">
@@ -25275,7 +25825,7 @@
         </p:nvSpPr>
         <p:spPr>
           <a:xfrm>
-            <a:off x="7929285" y="4901082"/>
+            <a:off x="3148284" y="5786310"/>
             <a:ext cx="1029503" cy="770603"/>
           </a:xfrm>
           <a:prstGeom prst="ellipse">
@@ -25323,7 +25873,7 @@
         </p:nvGrpSpPr>
         <p:grpSpPr>
           <a:xfrm>
-            <a:off x="2163445" y="2333439"/>
+            <a:off x="2911639" y="2421708"/>
             <a:ext cx="7711440" cy="3459480"/>
             <a:chOff x="2875" y="171"/>
             <a:chExt cx="12144" cy="5448"/>
@@ -25395,7 +25945,7 @@
         </p:blipFill>
         <p:spPr bwMode="auto">
           <a:xfrm>
-            <a:off x="1492250" y="4255584"/>
+            <a:off x="2240444" y="4343853"/>
             <a:ext cx="7846060" cy="2130425"/>
           </a:xfrm>
           <a:prstGeom prst="rect">
@@ -25429,7 +25979,7 @@
         </p:blipFill>
         <p:spPr bwMode="auto">
           <a:xfrm>
-            <a:off x="1837690" y="4707069"/>
+            <a:off x="2585884" y="4795338"/>
             <a:ext cx="8037830" cy="1883410"/>
           </a:xfrm>
           <a:prstGeom prst="rect">
@@ -27274,7 +27824,7 @@
 </p:sld>
 </file>
 
-<file path=ppt/slides/slide16.xml><?xml version="1.0" encoding="utf-8"?>
+<file path=ppt/slides/slide17.xml><?xml version="1.0" encoding="utf-8"?>
 <p:sld xmlns:a="http://schemas.openxmlformats.org/drawingml/2006/main" xmlns:r="http://schemas.openxmlformats.org/officeDocument/2006/relationships" xmlns:p="http://schemas.openxmlformats.org/presentationml/2006/main">
   <p:cSld>
     <p:spTree>
@@ -29614,7 +30164,7 @@
 </p:sld>
 </file>
 
-<file path=ppt/slides/slide17.xml><?xml version="1.0" encoding="utf-8"?>
+<file path=ppt/slides/slide18.xml><?xml version="1.0" encoding="utf-8"?>
 <p:sld xmlns:a="http://schemas.openxmlformats.org/drawingml/2006/main" xmlns:r="http://schemas.openxmlformats.org/officeDocument/2006/relationships" xmlns:p="http://schemas.openxmlformats.org/presentationml/2006/main">
   <p:cSld>
     <p:spTree>
@@ -31368,7 +31918,7 @@
 </p:sld>
 </file>
 
-<file path=ppt/slides/slide18.xml><?xml version="1.0" encoding="utf-8"?>
+<file path=ppt/slides/slide19.xml><?xml version="1.0" encoding="utf-8"?>
 <p:sld xmlns:a="http://schemas.openxmlformats.org/drawingml/2006/main" xmlns:r="http://schemas.openxmlformats.org/officeDocument/2006/relationships" xmlns:p="http://schemas.openxmlformats.org/presentationml/2006/main">
   <p:cSld>
     <p:spTree>
@@ -32319,7 +32869,666 @@
 </p:sld>
 </file>
 
-<file path=ppt/slides/slide19.xml><?xml version="1.0" encoding="utf-8"?>
+<file path=ppt/slides/slide2.xml><?xml version="1.0" encoding="utf-8"?>
+<p:sld xmlns:a="http://schemas.openxmlformats.org/drawingml/2006/main" xmlns:r="http://schemas.openxmlformats.org/officeDocument/2006/relationships" xmlns:p="http://schemas.openxmlformats.org/presentationml/2006/main">
+  <p:cSld>
+    <p:spTree>
+      <p:nvGrpSpPr>
+        <p:cNvPr id="1" name=""/>
+        <p:cNvGrpSpPr/>
+        <p:nvPr/>
+      </p:nvGrpSpPr>
+      <p:grpSpPr>
+        <a:xfrm>
+          <a:off x="0" y="0"/>
+          <a:ext cx="0" cy="0"/>
+          <a:chOff x="0" y="0"/>
+          <a:chExt cx="0" cy="0"/>
+        </a:xfrm>
+      </p:grpSpPr>
+      <p:sp>
+        <p:nvSpPr>
+          <p:cNvPr id="2" name="文本框 1"/>
+          <p:cNvSpPr txBox="1"/>
+          <p:nvPr/>
+        </p:nvSpPr>
+        <p:spPr>
+          <a:xfrm>
+            <a:off x="628649" y="3075055"/>
+            <a:ext cx="2735987" cy="707886"/>
+          </a:xfrm>
+          <a:prstGeom prst="rect">
+            <a:avLst/>
+          </a:prstGeom>
+          <a:noFill/>
+        </p:spPr>
+        <p:txBody>
+          <a:bodyPr wrap="square" rtlCol="0">
+            <a:spAutoFit/>
+          </a:bodyPr>
+          <a:lstStyle/>
+          <a:p>
+            <a:r>
+              <a:rPr lang="en-US" altLang="zh-CN" sz="4000" b="1" dirty="0" smtClean="0">
+                <a:solidFill>
+                  <a:schemeClr val="bg1"/>
+                </a:solidFill>
+              </a:rPr>
+              <a:t>CONTENT</a:t>
+            </a:r>
+            <a:endParaRPr lang="zh-CN" altLang="en-US" sz="4000" b="1" dirty="0">
+              <a:solidFill>
+                <a:schemeClr val="bg1"/>
+              </a:solidFill>
+            </a:endParaRPr>
+          </a:p>
+        </p:txBody>
+      </p:sp>
+      <p:grpSp>
+        <p:nvGrpSpPr>
+          <p:cNvPr id="3" name="组合 2"/>
+          <p:cNvGrpSpPr/>
+          <p:nvPr/>
+        </p:nvGrpSpPr>
+        <p:grpSpPr>
+          <a:xfrm>
+            <a:off x="5591175" y="990600"/>
+            <a:ext cx="781050" cy="762000"/>
+            <a:chOff x="5591175" y="990600"/>
+            <a:chExt cx="781050" cy="762000"/>
+          </a:xfrm>
+        </p:grpSpPr>
+        <p:sp>
+          <p:nvSpPr>
+            <p:cNvPr id="4" name="椭圆 3"/>
+            <p:cNvSpPr/>
+            <p:nvPr/>
+          </p:nvSpPr>
+          <p:spPr>
+            <a:xfrm>
+              <a:off x="5610225" y="990600"/>
+              <a:ext cx="762000" cy="762000"/>
+            </a:xfrm>
+            <a:prstGeom prst="ellipse">
+              <a:avLst/>
+            </a:prstGeom>
+            <a:solidFill>
+              <a:schemeClr val="bg1">
+                <a:alpha val="50000"/>
+              </a:schemeClr>
+            </a:solidFill>
+            <a:ln>
+              <a:noFill/>
+            </a:ln>
+          </p:spPr>
+          <p:style>
+            <a:lnRef idx="2">
+              <a:schemeClr val="accent1">
+                <a:shade val="50000"/>
+              </a:schemeClr>
+            </a:lnRef>
+            <a:fillRef idx="1">
+              <a:schemeClr val="accent1"/>
+            </a:fillRef>
+            <a:effectRef idx="0">
+              <a:schemeClr val="accent1"/>
+            </a:effectRef>
+            <a:fontRef idx="minor">
+              <a:schemeClr val="lt1"/>
+            </a:fontRef>
+          </p:style>
+          <p:txBody>
+            <a:bodyPr rtlCol="0" anchor="ctr"/>
+            <a:lstStyle/>
+            <a:p>
+              <a:pPr algn="ctr"/>
+              <a:endParaRPr lang="zh-CN" altLang="en-US"/>
+            </a:p>
+          </p:txBody>
+        </p:sp>
+        <p:sp>
+          <p:nvSpPr>
+            <p:cNvPr id="5" name="文本框 4"/>
+            <p:cNvSpPr txBox="1"/>
+            <p:nvPr/>
+          </p:nvSpPr>
+          <p:spPr>
+            <a:xfrm>
+              <a:off x="5591175" y="990600"/>
+              <a:ext cx="781050" cy="707886"/>
+            </a:xfrm>
+            <a:prstGeom prst="rect">
+              <a:avLst/>
+            </a:prstGeom>
+            <a:noFill/>
+          </p:spPr>
+          <p:txBody>
+            <a:bodyPr wrap="square" rtlCol="0">
+              <a:spAutoFit/>
+            </a:bodyPr>
+            <a:lstStyle/>
+            <a:p>
+              <a:r>
+                <a:rPr lang="en-US" altLang="zh-CN" sz="4000" dirty="0" smtClean="0">
+                  <a:solidFill>
+                    <a:schemeClr val="bg1"/>
+                  </a:solidFill>
+                </a:rPr>
+                <a:t>01</a:t>
+              </a:r>
+              <a:endParaRPr lang="zh-CN" altLang="en-US" sz="4000" dirty="0">
+                <a:solidFill>
+                  <a:schemeClr val="bg1"/>
+                </a:solidFill>
+              </a:endParaRPr>
+            </a:p>
+          </p:txBody>
+        </p:sp>
+      </p:grpSp>
+      <p:grpSp>
+        <p:nvGrpSpPr>
+          <p:cNvPr id="6" name="组合 5"/>
+          <p:cNvGrpSpPr/>
+          <p:nvPr/>
+        </p:nvGrpSpPr>
+        <p:grpSpPr>
+          <a:xfrm>
+            <a:off x="5591175" y="2381250"/>
+            <a:ext cx="781050" cy="762000"/>
+            <a:chOff x="5591175" y="2381250"/>
+            <a:chExt cx="781050" cy="762000"/>
+          </a:xfrm>
+        </p:grpSpPr>
+        <p:sp>
+          <p:nvSpPr>
+            <p:cNvPr id="7" name="椭圆 6"/>
+            <p:cNvSpPr/>
+            <p:nvPr/>
+          </p:nvSpPr>
+          <p:spPr>
+            <a:xfrm>
+              <a:off x="5610225" y="2381250"/>
+              <a:ext cx="762000" cy="762000"/>
+            </a:xfrm>
+            <a:prstGeom prst="ellipse">
+              <a:avLst/>
+            </a:prstGeom>
+            <a:solidFill>
+              <a:schemeClr val="bg1">
+                <a:alpha val="50000"/>
+              </a:schemeClr>
+            </a:solidFill>
+            <a:ln>
+              <a:noFill/>
+            </a:ln>
+          </p:spPr>
+          <p:style>
+            <a:lnRef idx="2">
+              <a:schemeClr val="accent1">
+                <a:shade val="50000"/>
+              </a:schemeClr>
+            </a:lnRef>
+            <a:fillRef idx="1">
+              <a:schemeClr val="accent1"/>
+            </a:fillRef>
+            <a:effectRef idx="0">
+              <a:schemeClr val="accent1"/>
+            </a:effectRef>
+            <a:fontRef idx="minor">
+              <a:schemeClr val="lt1"/>
+            </a:fontRef>
+          </p:style>
+          <p:txBody>
+            <a:bodyPr rtlCol="0" anchor="ctr"/>
+            <a:lstStyle/>
+            <a:p>
+              <a:pPr algn="ctr"/>
+              <a:endParaRPr lang="zh-CN" altLang="en-US"/>
+            </a:p>
+          </p:txBody>
+        </p:sp>
+        <p:sp>
+          <p:nvSpPr>
+            <p:cNvPr id="8" name="文本框 7"/>
+            <p:cNvSpPr txBox="1"/>
+            <p:nvPr/>
+          </p:nvSpPr>
+          <p:spPr>
+            <a:xfrm>
+              <a:off x="5591175" y="2400300"/>
+              <a:ext cx="781050" cy="707886"/>
+            </a:xfrm>
+            <a:prstGeom prst="rect">
+              <a:avLst/>
+            </a:prstGeom>
+            <a:noFill/>
+          </p:spPr>
+          <p:txBody>
+            <a:bodyPr wrap="square" rtlCol="0">
+              <a:spAutoFit/>
+            </a:bodyPr>
+            <a:lstStyle/>
+            <a:p>
+              <a:r>
+                <a:rPr lang="en-US" altLang="zh-CN" sz="4000" dirty="0" smtClean="0">
+                  <a:solidFill>
+                    <a:schemeClr val="bg1"/>
+                  </a:solidFill>
+                </a:rPr>
+                <a:t>02</a:t>
+              </a:r>
+              <a:endParaRPr lang="zh-CN" altLang="en-US" sz="4000" dirty="0">
+                <a:solidFill>
+                  <a:schemeClr val="bg1"/>
+                </a:solidFill>
+              </a:endParaRPr>
+            </a:p>
+          </p:txBody>
+        </p:sp>
+      </p:grpSp>
+      <p:grpSp>
+        <p:nvGrpSpPr>
+          <p:cNvPr id="9" name="组合 8"/>
+          <p:cNvGrpSpPr/>
+          <p:nvPr/>
+        </p:nvGrpSpPr>
+        <p:grpSpPr>
+          <a:xfrm>
+            <a:off x="5591175" y="3771900"/>
+            <a:ext cx="781050" cy="762000"/>
+            <a:chOff x="5591175" y="3771900"/>
+            <a:chExt cx="781050" cy="762000"/>
+          </a:xfrm>
+        </p:grpSpPr>
+        <p:sp>
+          <p:nvSpPr>
+            <p:cNvPr id="10" name="椭圆 9"/>
+            <p:cNvSpPr/>
+            <p:nvPr/>
+          </p:nvSpPr>
+          <p:spPr>
+            <a:xfrm>
+              <a:off x="5610225" y="3771900"/>
+              <a:ext cx="762000" cy="762000"/>
+            </a:xfrm>
+            <a:prstGeom prst="ellipse">
+              <a:avLst/>
+            </a:prstGeom>
+            <a:solidFill>
+              <a:schemeClr val="bg1">
+                <a:alpha val="50000"/>
+              </a:schemeClr>
+            </a:solidFill>
+            <a:ln>
+              <a:noFill/>
+            </a:ln>
+          </p:spPr>
+          <p:style>
+            <a:lnRef idx="2">
+              <a:schemeClr val="accent1">
+                <a:shade val="50000"/>
+              </a:schemeClr>
+            </a:lnRef>
+            <a:fillRef idx="1">
+              <a:schemeClr val="accent1"/>
+            </a:fillRef>
+            <a:effectRef idx="0">
+              <a:schemeClr val="accent1"/>
+            </a:effectRef>
+            <a:fontRef idx="minor">
+              <a:schemeClr val="lt1"/>
+            </a:fontRef>
+          </p:style>
+          <p:txBody>
+            <a:bodyPr rtlCol="0" anchor="ctr"/>
+            <a:lstStyle/>
+            <a:p>
+              <a:pPr algn="ctr"/>
+              <a:endParaRPr lang="zh-CN" altLang="en-US"/>
+            </a:p>
+          </p:txBody>
+        </p:sp>
+        <p:sp>
+          <p:nvSpPr>
+            <p:cNvPr id="11" name="文本框 10"/>
+            <p:cNvSpPr txBox="1"/>
+            <p:nvPr/>
+          </p:nvSpPr>
+          <p:spPr>
+            <a:xfrm>
+              <a:off x="5591175" y="3810000"/>
+              <a:ext cx="781050" cy="707886"/>
+            </a:xfrm>
+            <a:prstGeom prst="rect">
+              <a:avLst/>
+            </a:prstGeom>
+            <a:noFill/>
+          </p:spPr>
+          <p:txBody>
+            <a:bodyPr wrap="square" rtlCol="0">
+              <a:spAutoFit/>
+            </a:bodyPr>
+            <a:lstStyle/>
+            <a:p>
+              <a:r>
+                <a:rPr lang="en-US" altLang="zh-CN" sz="4000" dirty="0" smtClean="0">
+                  <a:solidFill>
+                    <a:schemeClr val="bg1"/>
+                  </a:solidFill>
+                </a:rPr>
+                <a:t>03</a:t>
+              </a:r>
+              <a:endParaRPr lang="zh-CN" altLang="en-US" sz="4000" dirty="0">
+                <a:solidFill>
+                  <a:schemeClr val="bg1"/>
+                </a:solidFill>
+              </a:endParaRPr>
+            </a:p>
+          </p:txBody>
+        </p:sp>
+      </p:grpSp>
+      <p:grpSp>
+        <p:nvGrpSpPr>
+          <p:cNvPr id="12" name="组合 11"/>
+          <p:cNvGrpSpPr/>
+          <p:nvPr/>
+        </p:nvGrpSpPr>
+        <p:grpSpPr>
+          <a:xfrm>
+            <a:off x="5591175" y="5162550"/>
+            <a:ext cx="781050" cy="762000"/>
+            <a:chOff x="5591175" y="5162550"/>
+            <a:chExt cx="781050" cy="762000"/>
+          </a:xfrm>
+        </p:grpSpPr>
+        <p:sp>
+          <p:nvSpPr>
+            <p:cNvPr id="13" name="椭圆 12"/>
+            <p:cNvSpPr/>
+            <p:nvPr/>
+          </p:nvSpPr>
+          <p:spPr>
+            <a:xfrm>
+              <a:off x="5610225" y="5162550"/>
+              <a:ext cx="762000" cy="762000"/>
+            </a:xfrm>
+            <a:prstGeom prst="ellipse">
+              <a:avLst/>
+            </a:prstGeom>
+            <a:solidFill>
+              <a:schemeClr val="bg1">
+                <a:alpha val="50000"/>
+              </a:schemeClr>
+            </a:solidFill>
+            <a:ln>
+              <a:noFill/>
+            </a:ln>
+          </p:spPr>
+          <p:style>
+            <a:lnRef idx="2">
+              <a:schemeClr val="accent1">
+                <a:shade val="50000"/>
+              </a:schemeClr>
+            </a:lnRef>
+            <a:fillRef idx="1">
+              <a:schemeClr val="accent1"/>
+            </a:fillRef>
+            <a:effectRef idx="0">
+              <a:schemeClr val="accent1"/>
+            </a:effectRef>
+            <a:fontRef idx="minor">
+              <a:schemeClr val="lt1"/>
+            </a:fontRef>
+          </p:style>
+          <p:txBody>
+            <a:bodyPr rtlCol="0" anchor="ctr"/>
+            <a:lstStyle/>
+            <a:p>
+              <a:pPr algn="ctr"/>
+              <a:endParaRPr lang="zh-CN" altLang="en-US"/>
+            </a:p>
+          </p:txBody>
+        </p:sp>
+        <p:sp>
+          <p:nvSpPr>
+            <p:cNvPr id="14" name="文本框 13"/>
+            <p:cNvSpPr txBox="1"/>
+            <p:nvPr/>
+          </p:nvSpPr>
+          <p:spPr>
+            <a:xfrm>
+              <a:off x="5591175" y="5174159"/>
+              <a:ext cx="781050" cy="707886"/>
+            </a:xfrm>
+            <a:prstGeom prst="rect">
+              <a:avLst/>
+            </a:prstGeom>
+            <a:noFill/>
+          </p:spPr>
+          <p:txBody>
+            <a:bodyPr wrap="square" rtlCol="0">
+              <a:spAutoFit/>
+            </a:bodyPr>
+            <a:lstStyle/>
+            <a:p>
+              <a:r>
+                <a:rPr lang="en-US" altLang="zh-CN" sz="4000" dirty="0" smtClean="0">
+                  <a:solidFill>
+                    <a:schemeClr val="bg1"/>
+                  </a:solidFill>
+                </a:rPr>
+                <a:t>04</a:t>
+              </a:r>
+              <a:endParaRPr lang="zh-CN" altLang="en-US" sz="4400" dirty="0">
+                <a:solidFill>
+                  <a:schemeClr val="bg1"/>
+                </a:solidFill>
+              </a:endParaRPr>
+            </a:p>
+          </p:txBody>
+        </p:sp>
+      </p:grpSp>
+      <p:sp>
+        <p:nvSpPr>
+          <p:cNvPr id="15" name="文本框 14"/>
+          <p:cNvSpPr txBox="1"/>
+          <p:nvPr/>
+        </p:nvSpPr>
+        <p:spPr>
+          <a:xfrm>
+            <a:off x="6724650" y="1109990"/>
+            <a:ext cx="4305300" cy="523220"/>
+          </a:xfrm>
+          <a:prstGeom prst="rect">
+            <a:avLst/>
+          </a:prstGeom>
+          <a:noFill/>
+        </p:spPr>
+        <p:txBody>
+          <a:bodyPr wrap="square" rtlCol="0">
+            <a:spAutoFit/>
+          </a:bodyPr>
+          <a:lstStyle/>
+          <a:p>
+            <a:r>
+              <a:rPr lang="zh-CN" altLang="en-US" sz="2800" b="1" dirty="0" smtClean="0">
+                <a:solidFill>
+                  <a:schemeClr val="bg1"/>
+                </a:solidFill>
+                <a:latin typeface="微软雅黑" panose="020B0503020204020204" pitchFamily="34" charset="-122"/>
+                <a:ea typeface="微软雅黑" panose="020B0503020204020204" pitchFamily="34" charset="-122"/>
+              </a:rPr>
+              <a:t>项目背景</a:t>
+            </a:r>
+            <a:endParaRPr lang="zh-CN" altLang="en-US" sz="2800" b="1" dirty="0">
+              <a:solidFill>
+                <a:schemeClr val="bg1"/>
+              </a:solidFill>
+              <a:latin typeface="微软雅黑" panose="020B0503020204020204" pitchFamily="34" charset="-122"/>
+              <a:ea typeface="微软雅黑" panose="020B0503020204020204" pitchFamily="34" charset="-122"/>
+            </a:endParaRPr>
+          </a:p>
+        </p:txBody>
+      </p:sp>
+      <p:sp>
+        <p:nvSpPr>
+          <p:cNvPr id="16" name="文本框 15"/>
+          <p:cNvSpPr txBox="1"/>
+          <p:nvPr/>
+        </p:nvSpPr>
+        <p:spPr>
+          <a:xfrm>
+            <a:off x="6724650" y="2500640"/>
+            <a:ext cx="4305300" cy="523220"/>
+          </a:xfrm>
+          <a:prstGeom prst="rect">
+            <a:avLst/>
+          </a:prstGeom>
+          <a:noFill/>
+        </p:spPr>
+        <p:txBody>
+          <a:bodyPr wrap="square" rtlCol="0">
+            <a:spAutoFit/>
+          </a:bodyPr>
+          <a:lstStyle/>
+          <a:p>
+            <a:r>
+              <a:rPr lang="zh-CN" altLang="en-US" sz="2800" b="1" dirty="0" smtClean="0">
+                <a:solidFill>
+                  <a:schemeClr val="bg1"/>
+                </a:solidFill>
+                <a:latin typeface="微软雅黑" panose="020B0503020204020204" pitchFamily="34" charset="-122"/>
+                <a:ea typeface="微软雅黑" panose="020B0503020204020204" pitchFamily="34" charset="-122"/>
+              </a:rPr>
+              <a:t>平台建设</a:t>
+            </a:r>
+            <a:endParaRPr lang="zh-CN" altLang="en-US" sz="2800" b="1" dirty="0">
+              <a:solidFill>
+                <a:schemeClr val="bg1"/>
+              </a:solidFill>
+              <a:latin typeface="微软雅黑" panose="020B0503020204020204" pitchFamily="34" charset="-122"/>
+              <a:ea typeface="微软雅黑" panose="020B0503020204020204" pitchFamily="34" charset="-122"/>
+            </a:endParaRPr>
+          </a:p>
+        </p:txBody>
+      </p:sp>
+      <p:sp>
+        <p:nvSpPr>
+          <p:cNvPr id="17" name="文本框 16"/>
+          <p:cNvSpPr txBox="1"/>
+          <p:nvPr/>
+        </p:nvSpPr>
+        <p:spPr>
+          <a:xfrm>
+            <a:off x="6724650" y="3891290"/>
+            <a:ext cx="4305300" cy="523220"/>
+          </a:xfrm>
+          <a:prstGeom prst="rect">
+            <a:avLst/>
+          </a:prstGeom>
+          <a:noFill/>
+        </p:spPr>
+        <p:txBody>
+          <a:bodyPr wrap="square" rtlCol="0">
+            <a:spAutoFit/>
+          </a:bodyPr>
+          <a:lstStyle/>
+          <a:p>
+            <a:r>
+              <a:rPr lang="zh-CN" altLang="en-US" sz="2800" b="1" dirty="0" smtClean="0">
+                <a:solidFill>
+                  <a:schemeClr val="bg1"/>
+                </a:solidFill>
+                <a:latin typeface="微软雅黑" panose="020B0503020204020204" pitchFamily="34" charset="-122"/>
+                <a:ea typeface="微软雅黑" panose="020B0503020204020204" pitchFamily="34" charset="-122"/>
+              </a:rPr>
+              <a:t>技术实现</a:t>
+            </a:r>
+            <a:endParaRPr lang="zh-CN" altLang="en-US" sz="2800" b="1" dirty="0">
+              <a:solidFill>
+                <a:schemeClr val="bg1"/>
+              </a:solidFill>
+              <a:latin typeface="微软雅黑" panose="020B0503020204020204" pitchFamily="34" charset="-122"/>
+              <a:ea typeface="微软雅黑" panose="020B0503020204020204" pitchFamily="34" charset="-122"/>
+            </a:endParaRPr>
+          </a:p>
+        </p:txBody>
+      </p:sp>
+      <p:sp>
+        <p:nvSpPr>
+          <p:cNvPr id="18" name="文本框 17"/>
+          <p:cNvSpPr txBox="1"/>
+          <p:nvPr/>
+        </p:nvSpPr>
+        <p:spPr>
+          <a:xfrm>
+            <a:off x="6724650" y="5281940"/>
+            <a:ext cx="4305300" cy="523220"/>
+          </a:xfrm>
+          <a:prstGeom prst="rect">
+            <a:avLst/>
+          </a:prstGeom>
+          <a:noFill/>
+        </p:spPr>
+        <p:txBody>
+          <a:bodyPr wrap="square" rtlCol="0">
+            <a:spAutoFit/>
+          </a:bodyPr>
+          <a:lstStyle/>
+          <a:p>
+            <a:r>
+              <a:rPr lang="zh-CN" altLang="en-US" sz="2800" b="1" dirty="0" smtClean="0">
+                <a:solidFill>
+                  <a:schemeClr val="bg1"/>
+                </a:solidFill>
+                <a:latin typeface="微软雅黑" panose="020B0503020204020204" pitchFamily="34" charset="-122"/>
+                <a:ea typeface="微软雅黑" panose="020B0503020204020204" pitchFamily="34" charset="-122"/>
+              </a:rPr>
+              <a:t>建设规划</a:t>
+            </a:r>
+            <a:endParaRPr lang="zh-CN" altLang="en-US" sz="2800" b="1" dirty="0">
+              <a:solidFill>
+                <a:schemeClr val="bg1"/>
+              </a:solidFill>
+              <a:latin typeface="微软雅黑" panose="020B0503020204020204" pitchFamily="34" charset="-122"/>
+              <a:ea typeface="微软雅黑" panose="020B0503020204020204" pitchFamily="34" charset="-122"/>
+            </a:endParaRPr>
+          </a:p>
+        </p:txBody>
+      </p:sp>
+    </p:spTree>
+    <p:extLst>
+      <p:ext uri="{BB962C8B-B14F-4D97-AF65-F5344CB8AC3E}">
+        <p14:creationId xmlns:p14="http://schemas.microsoft.com/office/powerpoint/2010/main" val="4164515666"/>
+      </p:ext>
+    </p:extLst>
+  </p:cSld>
+  <p:clrMapOvr>
+    <a:masterClrMapping/>
+  </p:clrMapOvr>
+  <mc:AlternateContent xmlns:mc="http://schemas.openxmlformats.org/markup-compatibility/2006" xmlns:p14="http://schemas.microsoft.com/office/powerpoint/2010/main">
+    <mc:Choice Requires="p14">
+      <p:transition spd="slow" p14:dur="800">
+        <p14:flythrough/>
+      </p:transition>
+    </mc:Choice>
+    <mc:Fallback xmlns="">
+      <p:transition spd="slow">
+        <p:fade/>
+      </p:transition>
+    </mc:Fallback>
+  </mc:AlternateContent>
+  <p:timing>
+    <p:tnLst>
+      <p:par>
+        <p:cTn id="1" dur="indefinite" restart="never" nodeType="tmRoot"/>
+      </p:par>
+    </p:tnLst>
+  </p:timing>
+</p:sld>
+</file>
+
+<file path=ppt/slides/slide20.xml><?xml version="1.0" encoding="utf-8"?>
 <p:sld xmlns:a="http://schemas.openxmlformats.org/drawingml/2006/main" xmlns:r="http://schemas.openxmlformats.org/officeDocument/2006/relationships" xmlns:p="http://schemas.openxmlformats.org/presentationml/2006/main">
   <p:cSld>
     <p:spTree>
@@ -32611,666 +33820,7 @@
 </p:sld>
 </file>
 
-<file path=ppt/slides/slide2.xml><?xml version="1.0" encoding="utf-8"?>
-<p:sld xmlns:a="http://schemas.openxmlformats.org/drawingml/2006/main" xmlns:r="http://schemas.openxmlformats.org/officeDocument/2006/relationships" xmlns:p="http://schemas.openxmlformats.org/presentationml/2006/main">
-  <p:cSld>
-    <p:spTree>
-      <p:nvGrpSpPr>
-        <p:cNvPr id="1" name=""/>
-        <p:cNvGrpSpPr/>
-        <p:nvPr/>
-      </p:nvGrpSpPr>
-      <p:grpSpPr>
-        <a:xfrm>
-          <a:off x="0" y="0"/>
-          <a:ext cx="0" cy="0"/>
-          <a:chOff x="0" y="0"/>
-          <a:chExt cx="0" cy="0"/>
-        </a:xfrm>
-      </p:grpSpPr>
-      <p:sp>
-        <p:nvSpPr>
-          <p:cNvPr id="2" name="文本框 1"/>
-          <p:cNvSpPr txBox="1"/>
-          <p:nvPr/>
-        </p:nvSpPr>
-        <p:spPr>
-          <a:xfrm>
-            <a:off x="628649" y="3075055"/>
-            <a:ext cx="2735987" cy="707886"/>
-          </a:xfrm>
-          <a:prstGeom prst="rect">
-            <a:avLst/>
-          </a:prstGeom>
-          <a:noFill/>
-        </p:spPr>
-        <p:txBody>
-          <a:bodyPr wrap="square" rtlCol="0">
-            <a:spAutoFit/>
-          </a:bodyPr>
-          <a:lstStyle/>
-          <a:p>
-            <a:r>
-              <a:rPr lang="en-US" altLang="zh-CN" sz="4000" b="1" dirty="0" smtClean="0">
-                <a:solidFill>
-                  <a:schemeClr val="bg1"/>
-                </a:solidFill>
-              </a:rPr>
-              <a:t>CONTENT</a:t>
-            </a:r>
-            <a:endParaRPr lang="zh-CN" altLang="en-US" sz="4000" b="1" dirty="0">
-              <a:solidFill>
-                <a:schemeClr val="bg1"/>
-              </a:solidFill>
-            </a:endParaRPr>
-          </a:p>
-        </p:txBody>
-      </p:sp>
-      <p:grpSp>
-        <p:nvGrpSpPr>
-          <p:cNvPr id="3" name="组合 2"/>
-          <p:cNvGrpSpPr/>
-          <p:nvPr/>
-        </p:nvGrpSpPr>
-        <p:grpSpPr>
-          <a:xfrm>
-            <a:off x="5591175" y="990600"/>
-            <a:ext cx="781050" cy="762000"/>
-            <a:chOff x="5591175" y="990600"/>
-            <a:chExt cx="781050" cy="762000"/>
-          </a:xfrm>
-        </p:grpSpPr>
-        <p:sp>
-          <p:nvSpPr>
-            <p:cNvPr id="4" name="椭圆 3"/>
-            <p:cNvSpPr/>
-            <p:nvPr/>
-          </p:nvSpPr>
-          <p:spPr>
-            <a:xfrm>
-              <a:off x="5610225" y="990600"/>
-              <a:ext cx="762000" cy="762000"/>
-            </a:xfrm>
-            <a:prstGeom prst="ellipse">
-              <a:avLst/>
-            </a:prstGeom>
-            <a:solidFill>
-              <a:schemeClr val="bg1">
-                <a:alpha val="50000"/>
-              </a:schemeClr>
-            </a:solidFill>
-            <a:ln>
-              <a:noFill/>
-            </a:ln>
-          </p:spPr>
-          <p:style>
-            <a:lnRef idx="2">
-              <a:schemeClr val="accent1">
-                <a:shade val="50000"/>
-              </a:schemeClr>
-            </a:lnRef>
-            <a:fillRef idx="1">
-              <a:schemeClr val="accent1"/>
-            </a:fillRef>
-            <a:effectRef idx="0">
-              <a:schemeClr val="accent1"/>
-            </a:effectRef>
-            <a:fontRef idx="minor">
-              <a:schemeClr val="lt1"/>
-            </a:fontRef>
-          </p:style>
-          <p:txBody>
-            <a:bodyPr rtlCol="0" anchor="ctr"/>
-            <a:lstStyle/>
-            <a:p>
-              <a:pPr algn="ctr"/>
-              <a:endParaRPr lang="zh-CN" altLang="en-US"/>
-            </a:p>
-          </p:txBody>
-        </p:sp>
-        <p:sp>
-          <p:nvSpPr>
-            <p:cNvPr id="5" name="文本框 4"/>
-            <p:cNvSpPr txBox="1"/>
-            <p:nvPr/>
-          </p:nvSpPr>
-          <p:spPr>
-            <a:xfrm>
-              <a:off x="5591175" y="990600"/>
-              <a:ext cx="781050" cy="707886"/>
-            </a:xfrm>
-            <a:prstGeom prst="rect">
-              <a:avLst/>
-            </a:prstGeom>
-            <a:noFill/>
-          </p:spPr>
-          <p:txBody>
-            <a:bodyPr wrap="square" rtlCol="0">
-              <a:spAutoFit/>
-            </a:bodyPr>
-            <a:lstStyle/>
-            <a:p>
-              <a:r>
-                <a:rPr lang="en-US" altLang="zh-CN" sz="4000" dirty="0" smtClean="0">
-                  <a:solidFill>
-                    <a:schemeClr val="bg1"/>
-                  </a:solidFill>
-                </a:rPr>
-                <a:t>01</a:t>
-              </a:r>
-              <a:endParaRPr lang="zh-CN" altLang="en-US" sz="4000" dirty="0">
-                <a:solidFill>
-                  <a:schemeClr val="bg1"/>
-                </a:solidFill>
-              </a:endParaRPr>
-            </a:p>
-          </p:txBody>
-        </p:sp>
-      </p:grpSp>
-      <p:grpSp>
-        <p:nvGrpSpPr>
-          <p:cNvPr id="6" name="组合 5"/>
-          <p:cNvGrpSpPr/>
-          <p:nvPr/>
-        </p:nvGrpSpPr>
-        <p:grpSpPr>
-          <a:xfrm>
-            <a:off x="5591175" y="2381250"/>
-            <a:ext cx="781050" cy="762000"/>
-            <a:chOff x="5591175" y="2381250"/>
-            <a:chExt cx="781050" cy="762000"/>
-          </a:xfrm>
-        </p:grpSpPr>
-        <p:sp>
-          <p:nvSpPr>
-            <p:cNvPr id="7" name="椭圆 6"/>
-            <p:cNvSpPr/>
-            <p:nvPr/>
-          </p:nvSpPr>
-          <p:spPr>
-            <a:xfrm>
-              <a:off x="5610225" y="2381250"/>
-              <a:ext cx="762000" cy="762000"/>
-            </a:xfrm>
-            <a:prstGeom prst="ellipse">
-              <a:avLst/>
-            </a:prstGeom>
-            <a:solidFill>
-              <a:schemeClr val="bg1">
-                <a:alpha val="50000"/>
-              </a:schemeClr>
-            </a:solidFill>
-            <a:ln>
-              <a:noFill/>
-            </a:ln>
-          </p:spPr>
-          <p:style>
-            <a:lnRef idx="2">
-              <a:schemeClr val="accent1">
-                <a:shade val="50000"/>
-              </a:schemeClr>
-            </a:lnRef>
-            <a:fillRef idx="1">
-              <a:schemeClr val="accent1"/>
-            </a:fillRef>
-            <a:effectRef idx="0">
-              <a:schemeClr val="accent1"/>
-            </a:effectRef>
-            <a:fontRef idx="minor">
-              <a:schemeClr val="lt1"/>
-            </a:fontRef>
-          </p:style>
-          <p:txBody>
-            <a:bodyPr rtlCol="0" anchor="ctr"/>
-            <a:lstStyle/>
-            <a:p>
-              <a:pPr algn="ctr"/>
-              <a:endParaRPr lang="zh-CN" altLang="en-US"/>
-            </a:p>
-          </p:txBody>
-        </p:sp>
-        <p:sp>
-          <p:nvSpPr>
-            <p:cNvPr id="8" name="文本框 7"/>
-            <p:cNvSpPr txBox="1"/>
-            <p:nvPr/>
-          </p:nvSpPr>
-          <p:spPr>
-            <a:xfrm>
-              <a:off x="5591175" y="2400300"/>
-              <a:ext cx="781050" cy="707886"/>
-            </a:xfrm>
-            <a:prstGeom prst="rect">
-              <a:avLst/>
-            </a:prstGeom>
-            <a:noFill/>
-          </p:spPr>
-          <p:txBody>
-            <a:bodyPr wrap="square" rtlCol="0">
-              <a:spAutoFit/>
-            </a:bodyPr>
-            <a:lstStyle/>
-            <a:p>
-              <a:r>
-                <a:rPr lang="en-US" altLang="zh-CN" sz="4000" dirty="0" smtClean="0">
-                  <a:solidFill>
-                    <a:schemeClr val="bg1"/>
-                  </a:solidFill>
-                </a:rPr>
-                <a:t>02</a:t>
-              </a:r>
-              <a:endParaRPr lang="zh-CN" altLang="en-US" sz="4000" dirty="0">
-                <a:solidFill>
-                  <a:schemeClr val="bg1"/>
-                </a:solidFill>
-              </a:endParaRPr>
-            </a:p>
-          </p:txBody>
-        </p:sp>
-      </p:grpSp>
-      <p:grpSp>
-        <p:nvGrpSpPr>
-          <p:cNvPr id="9" name="组合 8"/>
-          <p:cNvGrpSpPr/>
-          <p:nvPr/>
-        </p:nvGrpSpPr>
-        <p:grpSpPr>
-          <a:xfrm>
-            <a:off x="5591175" y="3771900"/>
-            <a:ext cx="781050" cy="762000"/>
-            <a:chOff x="5591175" y="3771900"/>
-            <a:chExt cx="781050" cy="762000"/>
-          </a:xfrm>
-        </p:grpSpPr>
-        <p:sp>
-          <p:nvSpPr>
-            <p:cNvPr id="10" name="椭圆 9"/>
-            <p:cNvSpPr/>
-            <p:nvPr/>
-          </p:nvSpPr>
-          <p:spPr>
-            <a:xfrm>
-              <a:off x="5610225" y="3771900"/>
-              <a:ext cx="762000" cy="762000"/>
-            </a:xfrm>
-            <a:prstGeom prst="ellipse">
-              <a:avLst/>
-            </a:prstGeom>
-            <a:solidFill>
-              <a:schemeClr val="bg1">
-                <a:alpha val="50000"/>
-              </a:schemeClr>
-            </a:solidFill>
-            <a:ln>
-              <a:noFill/>
-            </a:ln>
-          </p:spPr>
-          <p:style>
-            <a:lnRef idx="2">
-              <a:schemeClr val="accent1">
-                <a:shade val="50000"/>
-              </a:schemeClr>
-            </a:lnRef>
-            <a:fillRef idx="1">
-              <a:schemeClr val="accent1"/>
-            </a:fillRef>
-            <a:effectRef idx="0">
-              <a:schemeClr val="accent1"/>
-            </a:effectRef>
-            <a:fontRef idx="minor">
-              <a:schemeClr val="lt1"/>
-            </a:fontRef>
-          </p:style>
-          <p:txBody>
-            <a:bodyPr rtlCol="0" anchor="ctr"/>
-            <a:lstStyle/>
-            <a:p>
-              <a:pPr algn="ctr"/>
-              <a:endParaRPr lang="zh-CN" altLang="en-US"/>
-            </a:p>
-          </p:txBody>
-        </p:sp>
-        <p:sp>
-          <p:nvSpPr>
-            <p:cNvPr id="11" name="文本框 10"/>
-            <p:cNvSpPr txBox="1"/>
-            <p:nvPr/>
-          </p:nvSpPr>
-          <p:spPr>
-            <a:xfrm>
-              <a:off x="5591175" y="3810000"/>
-              <a:ext cx="781050" cy="707886"/>
-            </a:xfrm>
-            <a:prstGeom prst="rect">
-              <a:avLst/>
-            </a:prstGeom>
-            <a:noFill/>
-          </p:spPr>
-          <p:txBody>
-            <a:bodyPr wrap="square" rtlCol="0">
-              <a:spAutoFit/>
-            </a:bodyPr>
-            <a:lstStyle/>
-            <a:p>
-              <a:r>
-                <a:rPr lang="en-US" altLang="zh-CN" sz="4000" dirty="0" smtClean="0">
-                  <a:solidFill>
-                    <a:schemeClr val="bg1"/>
-                  </a:solidFill>
-                </a:rPr>
-                <a:t>03</a:t>
-              </a:r>
-              <a:endParaRPr lang="zh-CN" altLang="en-US" sz="4000" dirty="0">
-                <a:solidFill>
-                  <a:schemeClr val="bg1"/>
-                </a:solidFill>
-              </a:endParaRPr>
-            </a:p>
-          </p:txBody>
-        </p:sp>
-      </p:grpSp>
-      <p:grpSp>
-        <p:nvGrpSpPr>
-          <p:cNvPr id="12" name="组合 11"/>
-          <p:cNvGrpSpPr/>
-          <p:nvPr/>
-        </p:nvGrpSpPr>
-        <p:grpSpPr>
-          <a:xfrm>
-            <a:off x="5591175" y="5162550"/>
-            <a:ext cx="781050" cy="762000"/>
-            <a:chOff x="5591175" y="5162550"/>
-            <a:chExt cx="781050" cy="762000"/>
-          </a:xfrm>
-        </p:grpSpPr>
-        <p:sp>
-          <p:nvSpPr>
-            <p:cNvPr id="13" name="椭圆 12"/>
-            <p:cNvSpPr/>
-            <p:nvPr/>
-          </p:nvSpPr>
-          <p:spPr>
-            <a:xfrm>
-              <a:off x="5610225" y="5162550"/>
-              <a:ext cx="762000" cy="762000"/>
-            </a:xfrm>
-            <a:prstGeom prst="ellipse">
-              <a:avLst/>
-            </a:prstGeom>
-            <a:solidFill>
-              <a:schemeClr val="bg1">
-                <a:alpha val="50000"/>
-              </a:schemeClr>
-            </a:solidFill>
-            <a:ln>
-              <a:noFill/>
-            </a:ln>
-          </p:spPr>
-          <p:style>
-            <a:lnRef idx="2">
-              <a:schemeClr val="accent1">
-                <a:shade val="50000"/>
-              </a:schemeClr>
-            </a:lnRef>
-            <a:fillRef idx="1">
-              <a:schemeClr val="accent1"/>
-            </a:fillRef>
-            <a:effectRef idx="0">
-              <a:schemeClr val="accent1"/>
-            </a:effectRef>
-            <a:fontRef idx="minor">
-              <a:schemeClr val="lt1"/>
-            </a:fontRef>
-          </p:style>
-          <p:txBody>
-            <a:bodyPr rtlCol="0" anchor="ctr"/>
-            <a:lstStyle/>
-            <a:p>
-              <a:pPr algn="ctr"/>
-              <a:endParaRPr lang="zh-CN" altLang="en-US"/>
-            </a:p>
-          </p:txBody>
-        </p:sp>
-        <p:sp>
-          <p:nvSpPr>
-            <p:cNvPr id="14" name="文本框 13"/>
-            <p:cNvSpPr txBox="1"/>
-            <p:nvPr/>
-          </p:nvSpPr>
-          <p:spPr>
-            <a:xfrm>
-              <a:off x="5591175" y="5174159"/>
-              <a:ext cx="781050" cy="707886"/>
-            </a:xfrm>
-            <a:prstGeom prst="rect">
-              <a:avLst/>
-            </a:prstGeom>
-            <a:noFill/>
-          </p:spPr>
-          <p:txBody>
-            <a:bodyPr wrap="square" rtlCol="0">
-              <a:spAutoFit/>
-            </a:bodyPr>
-            <a:lstStyle/>
-            <a:p>
-              <a:r>
-                <a:rPr lang="en-US" altLang="zh-CN" sz="4000" dirty="0" smtClean="0">
-                  <a:solidFill>
-                    <a:schemeClr val="bg1"/>
-                  </a:solidFill>
-                </a:rPr>
-                <a:t>04</a:t>
-              </a:r>
-              <a:endParaRPr lang="zh-CN" altLang="en-US" sz="4400" dirty="0">
-                <a:solidFill>
-                  <a:schemeClr val="bg1"/>
-                </a:solidFill>
-              </a:endParaRPr>
-            </a:p>
-          </p:txBody>
-        </p:sp>
-      </p:grpSp>
-      <p:sp>
-        <p:nvSpPr>
-          <p:cNvPr id="15" name="文本框 14"/>
-          <p:cNvSpPr txBox="1"/>
-          <p:nvPr/>
-        </p:nvSpPr>
-        <p:spPr>
-          <a:xfrm>
-            <a:off x="6724650" y="1109990"/>
-            <a:ext cx="4305300" cy="523220"/>
-          </a:xfrm>
-          <a:prstGeom prst="rect">
-            <a:avLst/>
-          </a:prstGeom>
-          <a:noFill/>
-        </p:spPr>
-        <p:txBody>
-          <a:bodyPr wrap="square" rtlCol="0">
-            <a:spAutoFit/>
-          </a:bodyPr>
-          <a:lstStyle/>
-          <a:p>
-            <a:r>
-              <a:rPr lang="zh-CN" altLang="en-US" sz="2800" b="1" dirty="0" smtClean="0">
-                <a:solidFill>
-                  <a:schemeClr val="bg1"/>
-                </a:solidFill>
-                <a:latin typeface="微软雅黑" panose="020B0503020204020204" pitchFamily="34" charset="-122"/>
-                <a:ea typeface="微软雅黑" panose="020B0503020204020204" pitchFamily="34" charset="-122"/>
-              </a:rPr>
-              <a:t>项目背景</a:t>
-            </a:r>
-            <a:endParaRPr lang="zh-CN" altLang="en-US" sz="2800" b="1" dirty="0">
-              <a:solidFill>
-                <a:schemeClr val="bg1"/>
-              </a:solidFill>
-              <a:latin typeface="微软雅黑" panose="020B0503020204020204" pitchFamily="34" charset="-122"/>
-              <a:ea typeface="微软雅黑" panose="020B0503020204020204" pitchFamily="34" charset="-122"/>
-            </a:endParaRPr>
-          </a:p>
-        </p:txBody>
-      </p:sp>
-      <p:sp>
-        <p:nvSpPr>
-          <p:cNvPr id="16" name="文本框 15"/>
-          <p:cNvSpPr txBox="1"/>
-          <p:nvPr/>
-        </p:nvSpPr>
-        <p:spPr>
-          <a:xfrm>
-            <a:off x="6724650" y="2500640"/>
-            <a:ext cx="4305300" cy="523220"/>
-          </a:xfrm>
-          <a:prstGeom prst="rect">
-            <a:avLst/>
-          </a:prstGeom>
-          <a:noFill/>
-        </p:spPr>
-        <p:txBody>
-          <a:bodyPr wrap="square" rtlCol="0">
-            <a:spAutoFit/>
-          </a:bodyPr>
-          <a:lstStyle/>
-          <a:p>
-            <a:r>
-              <a:rPr lang="zh-CN" altLang="en-US" sz="2800" b="1" dirty="0" smtClean="0">
-                <a:solidFill>
-                  <a:schemeClr val="bg1"/>
-                </a:solidFill>
-                <a:latin typeface="微软雅黑" panose="020B0503020204020204" pitchFamily="34" charset="-122"/>
-                <a:ea typeface="微软雅黑" panose="020B0503020204020204" pitchFamily="34" charset="-122"/>
-              </a:rPr>
-              <a:t>平台建设</a:t>
-            </a:r>
-            <a:endParaRPr lang="zh-CN" altLang="en-US" sz="2800" b="1" dirty="0">
-              <a:solidFill>
-                <a:schemeClr val="bg1"/>
-              </a:solidFill>
-              <a:latin typeface="微软雅黑" panose="020B0503020204020204" pitchFamily="34" charset="-122"/>
-              <a:ea typeface="微软雅黑" panose="020B0503020204020204" pitchFamily="34" charset="-122"/>
-            </a:endParaRPr>
-          </a:p>
-        </p:txBody>
-      </p:sp>
-      <p:sp>
-        <p:nvSpPr>
-          <p:cNvPr id="17" name="文本框 16"/>
-          <p:cNvSpPr txBox="1"/>
-          <p:nvPr/>
-        </p:nvSpPr>
-        <p:spPr>
-          <a:xfrm>
-            <a:off x="6724650" y="3891290"/>
-            <a:ext cx="4305300" cy="523220"/>
-          </a:xfrm>
-          <a:prstGeom prst="rect">
-            <a:avLst/>
-          </a:prstGeom>
-          <a:noFill/>
-        </p:spPr>
-        <p:txBody>
-          <a:bodyPr wrap="square" rtlCol="0">
-            <a:spAutoFit/>
-          </a:bodyPr>
-          <a:lstStyle/>
-          <a:p>
-            <a:r>
-              <a:rPr lang="zh-CN" altLang="en-US" sz="2800" b="1" dirty="0" smtClean="0">
-                <a:solidFill>
-                  <a:schemeClr val="bg1"/>
-                </a:solidFill>
-                <a:latin typeface="微软雅黑" panose="020B0503020204020204" pitchFamily="34" charset="-122"/>
-                <a:ea typeface="微软雅黑" panose="020B0503020204020204" pitchFamily="34" charset="-122"/>
-              </a:rPr>
-              <a:t>技术实现</a:t>
-            </a:r>
-            <a:endParaRPr lang="zh-CN" altLang="en-US" sz="2800" b="1" dirty="0">
-              <a:solidFill>
-                <a:schemeClr val="bg1"/>
-              </a:solidFill>
-              <a:latin typeface="微软雅黑" panose="020B0503020204020204" pitchFamily="34" charset="-122"/>
-              <a:ea typeface="微软雅黑" panose="020B0503020204020204" pitchFamily="34" charset="-122"/>
-            </a:endParaRPr>
-          </a:p>
-        </p:txBody>
-      </p:sp>
-      <p:sp>
-        <p:nvSpPr>
-          <p:cNvPr id="18" name="文本框 17"/>
-          <p:cNvSpPr txBox="1"/>
-          <p:nvPr/>
-        </p:nvSpPr>
-        <p:spPr>
-          <a:xfrm>
-            <a:off x="6724650" y="5281940"/>
-            <a:ext cx="4305300" cy="523220"/>
-          </a:xfrm>
-          <a:prstGeom prst="rect">
-            <a:avLst/>
-          </a:prstGeom>
-          <a:noFill/>
-        </p:spPr>
-        <p:txBody>
-          <a:bodyPr wrap="square" rtlCol="0">
-            <a:spAutoFit/>
-          </a:bodyPr>
-          <a:lstStyle/>
-          <a:p>
-            <a:r>
-              <a:rPr lang="zh-CN" altLang="en-US" sz="2800" b="1" dirty="0" smtClean="0">
-                <a:solidFill>
-                  <a:schemeClr val="bg1"/>
-                </a:solidFill>
-                <a:latin typeface="微软雅黑" panose="020B0503020204020204" pitchFamily="34" charset="-122"/>
-                <a:ea typeface="微软雅黑" panose="020B0503020204020204" pitchFamily="34" charset="-122"/>
-              </a:rPr>
-              <a:t>建设规划</a:t>
-            </a:r>
-            <a:endParaRPr lang="zh-CN" altLang="en-US" sz="2800" b="1" dirty="0">
-              <a:solidFill>
-                <a:schemeClr val="bg1"/>
-              </a:solidFill>
-              <a:latin typeface="微软雅黑" panose="020B0503020204020204" pitchFamily="34" charset="-122"/>
-              <a:ea typeface="微软雅黑" panose="020B0503020204020204" pitchFamily="34" charset="-122"/>
-            </a:endParaRPr>
-          </a:p>
-        </p:txBody>
-      </p:sp>
-    </p:spTree>
-    <p:extLst>
-      <p:ext uri="{BB962C8B-B14F-4D97-AF65-F5344CB8AC3E}">
-        <p14:creationId xmlns:p14="http://schemas.microsoft.com/office/powerpoint/2010/main" val="4164515666"/>
-      </p:ext>
-    </p:extLst>
-  </p:cSld>
-  <p:clrMapOvr>
-    <a:masterClrMapping/>
-  </p:clrMapOvr>
-  <mc:AlternateContent xmlns:mc="http://schemas.openxmlformats.org/markup-compatibility/2006" xmlns:p14="http://schemas.microsoft.com/office/powerpoint/2010/main">
-    <mc:Choice Requires="p14">
-      <p:transition spd="slow" p14:dur="800">
-        <p14:flythrough/>
-      </p:transition>
-    </mc:Choice>
-    <mc:Fallback xmlns="">
-      <p:transition spd="slow">
-        <p:fade/>
-      </p:transition>
-    </mc:Fallback>
-  </mc:AlternateContent>
-  <p:timing>
-    <p:tnLst>
-      <p:par>
-        <p:cTn id="1" dur="indefinite" restart="never" nodeType="tmRoot"/>
-      </p:par>
-    </p:tnLst>
-  </p:timing>
-</p:sld>
-</file>
-
-<file path=ppt/slides/slide20.xml><?xml version="1.0" encoding="utf-8"?>
+<file path=ppt/slides/slide21.xml><?xml version="1.0" encoding="utf-8"?>
 <p:sld xmlns:a="http://schemas.openxmlformats.org/drawingml/2006/main" xmlns:r="http://schemas.openxmlformats.org/officeDocument/2006/relationships" xmlns:p="http://schemas.openxmlformats.org/presentationml/2006/main">
   <p:cSld>
     <p:spTree>
@@ -33415,7 +33965,7 @@
 </p:sld>
 </file>
 
-<file path=ppt/slides/slide21.xml><?xml version="1.0" encoding="utf-8"?>
+<file path=ppt/slides/slide22.xml><?xml version="1.0" encoding="utf-8"?>
 <p:sld xmlns:a="http://schemas.openxmlformats.org/drawingml/2006/main" xmlns:r="http://schemas.openxmlformats.org/officeDocument/2006/relationships" xmlns:p="http://schemas.openxmlformats.org/presentationml/2006/main">
   <p:cSld>
     <p:spTree>
@@ -40955,7 +41505,7 @@
 </p:sld>
 </file>
 
-<file path=ppt/slides/slide22.xml><?xml version="1.0" encoding="utf-8"?>
+<file path=ppt/slides/slide23.xml><?xml version="1.0" encoding="utf-8"?>
 <p:sld xmlns:a="http://schemas.openxmlformats.org/drawingml/2006/main" xmlns:r="http://schemas.openxmlformats.org/officeDocument/2006/relationships" xmlns:p="http://schemas.openxmlformats.org/presentationml/2006/main">
   <p:cSld>
     <p:spTree>
@@ -42171,7 +42721,7 @@
 </p:sld>
 </file>
 
-<file path=ppt/slides/slide23.xml><?xml version="1.0" encoding="utf-8"?>
+<file path=ppt/slides/slide24.xml><?xml version="1.0" encoding="utf-8"?>
 <p:sld xmlns:a="http://schemas.openxmlformats.org/drawingml/2006/main" xmlns:r="http://schemas.openxmlformats.org/officeDocument/2006/relationships" xmlns:p="http://schemas.openxmlformats.org/presentationml/2006/main">
   <p:cSld>
     <p:spTree>
@@ -42316,7 +42866,7 @@
 </p:sld>
 </file>
 
-<file path=ppt/slides/slide24.xml><?xml version="1.0" encoding="utf-8"?>
+<file path=ppt/slides/slide25.xml><?xml version="1.0" encoding="utf-8"?>
 <p:sld xmlns:a="http://schemas.openxmlformats.org/drawingml/2006/main" xmlns:r="http://schemas.openxmlformats.org/officeDocument/2006/relationships" xmlns:p="http://schemas.openxmlformats.org/presentationml/2006/main">
   <p:cSld>
     <p:spTree>
@@ -42511,7 +43061,7 @@
 </p:sld>
 </file>
 
-<file path=ppt/slides/slide25.xml><?xml version="1.0" encoding="utf-8"?>
+<file path=ppt/slides/slide26.xml><?xml version="1.0" encoding="utf-8"?>
 <p:sld xmlns:a="http://schemas.openxmlformats.org/drawingml/2006/main" xmlns:r="http://schemas.openxmlformats.org/officeDocument/2006/relationships" xmlns:p="http://schemas.openxmlformats.org/presentationml/2006/main">
   <p:cSld>
     <p:spTree>
